--- a/Documents/Reports/BuyBackRevolution_Part5.pptx
+++ b/Documents/Reports/BuyBackRevolution_Part5.pptx
@@ -23,23 +23,25 @@
     <p:sldId id="268" r:id="rId17"/>
     <p:sldId id="269" r:id="rId18"/>
     <p:sldId id="270" r:id="rId19"/>
+    <p:sldId id="271" r:id="rId20"/>
+    <p:sldId id="272" r:id="rId21"/>
   </p:sldIdLst>
   <p:sldSz cy="5143500" cx="9144000"/>
   <p:notesSz cx="6858000" cy="9144000"/>
   <p:embeddedFontLst>
     <p:embeddedFont>
       <p:font typeface="Economica"/>
-      <p:regular r:id="rId20"/>
-      <p:bold r:id="rId21"/>
-      <p:italic r:id="rId22"/>
-      <p:boldItalic r:id="rId23"/>
+      <p:regular r:id="rId22"/>
+      <p:bold r:id="rId23"/>
+      <p:italic r:id="rId24"/>
+      <p:boldItalic r:id="rId25"/>
     </p:embeddedFont>
     <p:embeddedFont>
       <p:font typeface="Open Sans"/>
-      <p:regular r:id="rId24"/>
-      <p:bold r:id="rId25"/>
-      <p:italic r:id="rId26"/>
-      <p:boldItalic r:id="rId27"/>
+      <p:regular r:id="rId26"/>
+      <p:bold r:id="rId27"/>
+      <p:italic r:id="rId28"/>
+      <p:boldItalic r:id="rId29"/>
     </p:embeddedFont>
   </p:embeddedFontLst>
   <p:defaultTextStyle>
@@ -515,7 +517,7 @@
   <p:cSld>
     <p:spTree>
       <p:nvGrpSpPr>
-        <p:cNvPr id="124" name="Shape 124"/>
+        <p:cNvPr id="120" name="Shape 120"/>
         <p:cNvGrpSpPr/>
         <p:nvPr/>
       </p:nvGrpSpPr>
@@ -529,7 +531,7 @@
       </p:grpSpPr>
       <p:sp>
         <p:nvSpPr>
-          <p:cNvPr id="125" name="Shape 125"/>
+          <p:cNvPr id="121" name="Shape 121"/>
           <p:cNvSpPr/>
           <p:nvPr>
             <p:ph idx="2" type="sldImg"/>
@@ -573,7 +575,7 @@
       </p:sp>
       <p:sp>
         <p:nvSpPr>
-          <p:cNvPr id="126" name="Shape 126"/>
+          <p:cNvPr id="122" name="Shape 122"/>
           <p:cNvSpPr txBox="1"/>
           <p:nvPr>
             <p:ph idx="1" type="body"/>
@@ -594,7 +596,7 @@
           </a:bodyPr>
           <a:lstStyle/>
           <a:p>
-            <a:pPr>
+            <a:pPr lvl="0" rtl="0">
               <a:spcBef>
                 <a:spcPts val="0"/>
               </a:spcBef>
@@ -620,7 +622,7 @@
   <p:cSld>
     <p:spTree>
       <p:nvGrpSpPr>
-        <p:cNvPr id="131" name="Shape 131"/>
+        <p:cNvPr id="128" name="Shape 128"/>
         <p:cNvGrpSpPr/>
         <p:nvPr/>
       </p:nvGrpSpPr>
@@ -634,7 +636,7 @@
       </p:grpSpPr>
       <p:sp>
         <p:nvSpPr>
-          <p:cNvPr id="132" name="Shape 132"/>
+          <p:cNvPr id="129" name="Shape 129"/>
           <p:cNvSpPr/>
           <p:nvPr>
             <p:ph idx="2" type="sldImg"/>
@@ -678,7 +680,7 @@
       </p:sp>
       <p:sp>
         <p:nvSpPr>
-          <p:cNvPr id="133" name="Shape 133"/>
+          <p:cNvPr id="130" name="Shape 130"/>
           <p:cNvSpPr txBox="1"/>
           <p:nvPr>
             <p:ph idx="1" type="body"/>
@@ -725,7 +727,7 @@
   <p:cSld>
     <p:spTree>
       <p:nvGrpSpPr>
-        <p:cNvPr id="138" name="Shape 138"/>
+        <p:cNvPr id="136" name="Shape 136"/>
         <p:cNvGrpSpPr/>
         <p:nvPr/>
       </p:nvGrpSpPr>
@@ -739,7 +741,7 @@
       </p:grpSpPr>
       <p:sp>
         <p:nvSpPr>
-          <p:cNvPr id="139" name="Shape 139"/>
+          <p:cNvPr id="137" name="Shape 137"/>
           <p:cNvSpPr/>
           <p:nvPr>
             <p:ph idx="2" type="sldImg"/>
@@ -783,7 +785,7 @@
       </p:sp>
       <p:sp>
         <p:nvSpPr>
-          <p:cNvPr id="140" name="Shape 140"/>
+          <p:cNvPr id="138" name="Shape 138"/>
           <p:cNvSpPr txBox="1"/>
           <p:nvPr>
             <p:ph idx="1" type="body"/>
@@ -830,7 +832,7 @@
   <p:cSld>
     <p:spTree>
       <p:nvGrpSpPr>
-        <p:cNvPr id="145" name="Shape 145"/>
+        <p:cNvPr id="143" name="Shape 143"/>
         <p:cNvGrpSpPr/>
         <p:nvPr/>
       </p:nvGrpSpPr>
@@ -844,7 +846,7 @@
       </p:grpSpPr>
       <p:sp>
         <p:nvSpPr>
-          <p:cNvPr id="146" name="Shape 146"/>
+          <p:cNvPr id="144" name="Shape 144"/>
           <p:cNvSpPr/>
           <p:nvPr>
             <p:ph idx="2" type="sldImg"/>
@@ -888,7 +890,7 @@
       </p:sp>
       <p:sp>
         <p:nvSpPr>
-          <p:cNvPr id="147" name="Shape 147"/>
+          <p:cNvPr id="145" name="Shape 145"/>
           <p:cNvSpPr txBox="1"/>
           <p:nvPr>
             <p:ph idx="1" type="body"/>
@@ -935,7 +937,7 @@
   <p:cSld>
     <p:spTree>
       <p:nvGrpSpPr>
-        <p:cNvPr id="151" name="Shape 151"/>
+        <p:cNvPr id="150" name="Shape 150"/>
         <p:cNvGrpSpPr/>
         <p:nvPr/>
       </p:nvGrpSpPr>
@@ -949,7 +951,7 @@
       </p:grpSpPr>
       <p:sp>
         <p:nvSpPr>
-          <p:cNvPr id="152" name="Shape 152"/>
+          <p:cNvPr id="151" name="Shape 151"/>
           <p:cNvSpPr/>
           <p:nvPr>
             <p:ph idx="2" type="sldImg"/>
@@ -993,7 +995,7 @@
       </p:sp>
       <p:sp>
         <p:nvSpPr>
-          <p:cNvPr id="153" name="Shape 153"/>
+          <p:cNvPr id="152" name="Shape 152"/>
           <p:cNvSpPr txBox="1"/>
           <p:nvPr>
             <p:ph idx="1" type="body"/>
@@ -1140,12 +1142,12 @@
 </p:notes>
 </file>
 
-<file path=ppt/notesSlides/notesSlide2.xml><?xml version="1.0" encoding="utf-8"?>
+<file path=ppt/notesSlides/notesSlide16.xml><?xml version="1.0" encoding="utf-8"?>
 <p:notes xmlns:a="http://schemas.openxmlformats.org/drawingml/2006/main" xmlns:r="http://schemas.openxmlformats.org/officeDocument/2006/relationships" xmlns:mc="http://schemas.openxmlformats.org/markup-compatibility/2006" xmlns:mv="urn:schemas-microsoft-com:mac:vml" xmlns:p="http://schemas.openxmlformats.org/presentationml/2006/main" xmlns:c="http://schemas.openxmlformats.org/drawingml/2006/chart" xmlns:dgm="http://schemas.openxmlformats.org/drawingml/2006/diagram" xmlns:o="urn:schemas-microsoft-com:office:office" xmlns:v="urn:schemas-microsoft-com:vml" xmlns:pvml="urn:schemas-microsoft-com:office:powerpoint" xmlns:com="http://schemas.openxmlformats.org/drawingml/2006/compatibility" xmlns:p14="http://schemas.microsoft.com/office/powerpoint/2010/main" showMasterPhAnim="0" showMasterSp="0">
   <p:cSld>
     <p:spTree>
       <p:nvGrpSpPr>
-        <p:cNvPr id="63" name="Shape 63"/>
+        <p:cNvPr id="163" name="Shape 163"/>
         <p:cNvGrpSpPr/>
         <p:nvPr/>
       </p:nvGrpSpPr>
@@ -1159,7 +1161,7 @@
       </p:grpSpPr>
       <p:sp>
         <p:nvSpPr>
-          <p:cNvPr id="64" name="Shape 64"/>
+          <p:cNvPr id="164" name="Shape 164"/>
           <p:cNvSpPr/>
           <p:nvPr>
             <p:ph idx="2" type="sldImg"/>
@@ -1203,7 +1205,7 @@
       </p:sp>
       <p:sp>
         <p:nvSpPr>
-          <p:cNvPr id="65" name="Shape 65"/>
+          <p:cNvPr id="165" name="Shape 165"/>
           <p:cNvSpPr txBox="1"/>
           <p:nvPr>
             <p:ph idx="1" type="body"/>
@@ -1245,12 +1247,12 @@
 </p:notes>
 </file>
 
-<file path=ppt/notesSlides/notesSlide3.xml><?xml version="1.0" encoding="utf-8"?>
+<file path=ppt/notesSlides/notesSlide17.xml><?xml version="1.0" encoding="utf-8"?>
 <p:notes xmlns:a="http://schemas.openxmlformats.org/drawingml/2006/main" xmlns:r="http://schemas.openxmlformats.org/officeDocument/2006/relationships" xmlns:mc="http://schemas.openxmlformats.org/markup-compatibility/2006" xmlns:mv="urn:schemas-microsoft-com:mac:vml" xmlns:p="http://schemas.openxmlformats.org/presentationml/2006/main" xmlns:c="http://schemas.openxmlformats.org/drawingml/2006/chart" xmlns:dgm="http://schemas.openxmlformats.org/drawingml/2006/diagram" xmlns:o="urn:schemas-microsoft-com:office:office" xmlns:v="urn:schemas-microsoft-com:vml" xmlns:pvml="urn:schemas-microsoft-com:office:powerpoint" xmlns:com="http://schemas.openxmlformats.org/drawingml/2006/compatibility" xmlns:p14="http://schemas.microsoft.com/office/powerpoint/2010/main" showMasterPhAnim="0" showMasterSp="0">
   <p:cSld>
     <p:spTree>
       <p:nvGrpSpPr>
-        <p:cNvPr id="70" name="Shape 70"/>
+        <p:cNvPr id="169" name="Shape 169"/>
         <p:cNvGrpSpPr/>
         <p:nvPr/>
       </p:nvGrpSpPr>
@@ -1264,7 +1266,7 @@
       </p:grpSpPr>
       <p:sp>
         <p:nvSpPr>
-          <p:cNvPr id="71" name="Shape 71"/>
+          <p:cNvPr id="170" name="Shape 170"/>
           <p:cNvSpPr/>
           <p:nvPr>
             <p:ph idx="2" type="sldImg"/>
@@ -1308,7 +1310,7 @@
       </p:sp>
       <p:sp>
         <p:nvSpPr>
-          <p:cNvPr id="72" name="Shape 72"/>
+          <p:cNvPr id="171" name="Shape 171"/>
           <p:cNvSpPr txBox="1"/>
           <p:nvPr>
             <p:ph idx="1" type="body"/>
@@ -1350,12 +1352,12 @@
 </p:notes>
 </file>
 
-<file path=ppt/notesSlides/notesSlide4.xml><?xml version="1.0" encoding="utf-8"?>
+<file path=ppt/notesSlides/notesSlide2.xml><?xml version="1.0" encoding="utf-8"?>
 <p:notes xmlns:a="http://schemas.openxmlformats.org/drawingml/2006/main" xmlns:r="http://schemas.openxmlformats.org/officeDocument/2006/relationships" xmlns:mc="http://schemas.openxmlformats.org/markup-compatibility/2006" xmlns:mv="urn:schemas-microsoft-com:mac:vml" xmlns:p="http://schemas.openxmlformats.org/presentationml/2006/main" xmlns:c="http://schemas.openxmlformats.org/drawingml/2006/chart" xmlns:dgm="http://schemas.openxmlformats.org/drawingml/2006/diagram" xmlns:o="urn:schemas-microsoft-com:office:office" xmlns:v="urn:schemas-microsoft-com:vml" xmlns:pvml="urn:schemas-microsoft-com:office:powerpoint" xmlns:com="http://schemas.openxmlformats.org/drawingml/2006/compatibility" xmlns:p14="http://schemas.microsoft.com/office/powerpoint/2010/main" showMasterPhAnim="0" showMasterSp="0">
   <p:cSld>
     <p:spTree>
       <p:nvGrpSpPr>
-        <p:cNvPr id="77" name="Shape 77"/>
+        <p:cNvPr id="63" name="Shape 63"/>
         <p:cNvGrpSpPr/>
         <p:nvPr/>
       </p:nvGrpSpPr>
@@ -1369,7 +1371,7 @@
       </p:grpSpPr>
       <p:sp>
         <p:nvSpPr>
-          <p:cNvPr id="78" name="Shape 78"/>
+          <p:cNvPr id="64" name="Shape 64"/>
           <p:cNvSpPr/>
           <p:nvPr>
             <p:ph idx="2" type="sldImg"/>
@@ -1413,7 +1415,7 @@
       </p:sp>
       <p:sp>
         <p:nvSpPr>
-          <p:cNvPr id="79" name="Shape 79"/>
+          <p:cNvPr id="65" name="Shape 65"/>
           <p:cNvSpPr txBox="1"/>
           <p:nvPr>
             <p:ph idx="1" type="body"/>
@@ -1434,7 +1436,7 @@
           </a:bodyPr>
           <a:lstStyle/>
           <a:p>
-            <a:pPr>
+            <a:pPr lvl="0" rtl="0">
               <a:spcBef>
                 <a:spcPts val="0"/>
               </a:spcBef>
@@ -1455,12 +1457,12 @@
 </p:notes>
 </file>
 
-<file path=ppt/notesSlides/notesSlide5.xml><?xml version="1.0" encoding="utf-8"?>
+<file path=ppt/notesSlides/notesSlide3.xml><?xml version="1.0" encoding="utf-8"?>
 <p:notes xmlns:a="http://schemas.openxmlformats.org/drawingml/2006/main" xmlns:r="http://schemas.openxmlformats.org/officeDocument/2006/relationships" xmlns:mc="http://schemas.openxmlformats.org/markup-compatibility/2006" xmlns:mv="urn:schemas-microsoft-com:mac:vml" xmlns:p="http://schemas.openxmlformats.org/presentationml/2006/main" xmlns:c="http://schemas.openxmlformats.org/drawingml/2006/chart" xmlns:dgm="http://schemas.openxmlformats.org/drawingml/2006/diagram" xmlns:o="urn:schemas-microsoft-com:office:office" xmlns:v="urn:schemas-microsoft-com:vml" xmlns:pvml="urn:schemas-microsoft-com:office:powerpoint" xmlns:com="http://schemas.openxmlformats.org/drawingml/2006/compatibility" xmlns:p14="http://schemas.microsoft.com/office/powerpoint/2010/main" showMasterPhAnim="0" showMasterSp="0">
   <p:cSld>
     <p:spTree>
       <p:nvGrpSpPr>
-        <p:cNvPr id="85" name="Shape 85"/>
+        <p:cNvPr id="69" name="Shape 69"/>
         <p:cNvGrpSpPr/>
         <p:nvPr/>
       </p:nvGrpSpPr>
@@ -1474,7 +1476,7 @@
       </p:grpSpPr>
       <p:sp>
         <p:nvSpPr>
-          <p:cNvPr id="86" name="Shape 86"/>
+          <p:cNvPr id="70" name="Shape 70"/>
           <p:cNvSpPr/>
           <p:nvPr>
             <p:ph idx="2" type="sldImg"/>
@@ -1518,7 +1520,7 @@
       </p:sp>
       <p:sp>
         <p:nvSpPr>
-          <p:cNvPr id="87" name="Shape 87"/>
+          <p:cNvPr id="71" name="Shape 71"/>
           <p:cNvSpPr txBox="1"/>
           <p:nvPr>
             <p:ph idx="1" type="body"/>
@@ -1539,7 +1541,7 @@
           </a:bodyPr>
           <a:lstStyle/>
           <a:p>
-            <a:pPr>
+            <a:pPr lvl="0" rtl="0">
               <a:spcBef>
                 <a:spcPts val="0"/>
               </a:spcBef>
@@ -1560,12 +1562,12 @@
 </p:notes>
 </file>
 
-<file path=ppt/notesSlides/notesSlide6.xml><?xml version="1.0" encoding="utf-8"?>
+<file path=ppt/notesSlides/notesSlide4.xml><?xml version="1.0" encoding="utf-8"?>
 <p:notes xmlns:a="http://schemas.openxmlformats.org/drawingml/2006/main" xmlns:r="http://schemas.openxmlformats.org/officeDocument/2006/relationships" xmlns:mc="http://schemas.openxmlformats.org/markup-compatibility/2006" xmlns:mv="urn:schemas-microsoft-com:mac:vml" xmlns:p="http://schemas.openxmlformats.org/presentationml/2006/main" xmlns:c="http://schemas.openxmlformats.org/drawingml/2006/chart" xmlns:dgm="http://schemas.openxmlformats.org/drawingml/2006/diagram" xmlns:o="urn:schemas-microsoft-com:office:office" xmlns:v="urn:schemas-microsoft-com:vml" xmlns:pvml="urn:schemas-microsoft-com:office:powerpoint" xmlns:com="http://schemas.openxmlformats.org/drawingml/2006/compatibility" xmlns:p14="http://schemas.microsoft.com/office/powerpoint/2010/main" showMasterPhAnim="0" showMasterSp="0">
   <p:cSld>
     <p:spTree>
       <p:nvGrpSpPr>
-        <p:cNvPr id="93" name="Shape 93"/>
+        <p:cNvPr id="75" name="Shape 75"/>
         <p:cNvGrpSpPr/>
         <p:nvPr/>
       </p:nvGrpSpPr>
@@ -1579,7 +1581,7 @@
       </p:grpSpPr>
       <p:sp>
         <p:nvSpPr>
-          <p:cNvPr id="94" name="Shape 94"/>
+          <p:cNvPr id="76" name="Shape 76"/>
           <p:cNvSpPr/>
           <p:nvPr>
             <p:ph idx="2" type="sldImg"/>
@@ -1623,7 +1625,7 @@
       </p:sp>
       <p:sp>
         <p:nvSpPr>
-          <p:cNvPr id="95" name="Shape 95"/>
+          <p:cNvPr id="77" name="Shape 77"/>
           <p:cNvSpPr txBox="1"/>
           <p:nvPr>
             <p:ph idx="1" type="body"/>
@@ -1665,12 +1667,12 @@
 </p:notes>
 </file>
 
-<file path=ppt/notesSlides/notesSlide7.xml><?xml version="1.0" encoding="utf-8"?>
+<file path=ppt/notesSlides/notesSlide5.xml><?xml version="1.0" encoding="utf-8"?>
 <p:notes xmlns:a="http://schemas.openxmlformats.org/drawingml/2006/main" xmlns:r="http://schemas.openxmlformats.org/officeDocument/2006/relationships" xmlns:mc="http://schemas.openxmlformats.org/markup-compatibility/2006" xmlns:mv="urn:schemas-microsoft-com:mac:vml" xmlns:p="http://schemas.openxmlformats.org/presentationml/2006/main" xmlns:c="http://schemas.openxmlformats.org/drawingml/2006/chart" xmlns:dgm="http://schemas.openxmlformats.org/drawingml/2006/diagram" xmlns:o="urn:schemas-microsoft-com:office:office" xmlns:v="urn:schemas-microsoft-com:vml" xmlns:pvml="urn:schemas-microsoft-com:office:powerpoint" xmlns:com="http://schemas.openxmlformats.org/drawingml/2006/compatibility" xmlns:p14="http://schemas.microsoft.com/office/powerpoint/2010/main" showMasterPhAnim="0" showMasterSp="0">
   <p:cSld>
     <p:spTree>
       <p:nvGrpSpPr>
-        <p:cNvPr id="100" name="Shape 100"/>
+        <p:cNvPr id="82" name="Shape 82"/>
         <p:cNvGrpSpPr/>
         <p:nvPr/>
       </p:nvGrpSpPr>
@@ -1684,7 +1686,7 @@
       </p:grpSpPr>
       <p:sp>
         <p:nvSpPr>
-          <p:cNvPr id="101" name="Shape 101"/>
+          <p:cNvPr id="83" name="Shape 83"/>
           <p:cNvSpPr/>
           <p:nvPr>
             <p:ph idx="2" type="sldImg"/>
@@ -1728,7 +1730,7 @@
       </p:sp>
       <p:sp>
         <p:nvSpPr>
-          <p:cNvPr id="102" name="Shape 102"/>
+          <p:cNvPr id="84" name="Shape 84"/>
           <p:cNvSpPr txBox="1"/>
           <p:nvPr>
             <p:ph idx="1" type="body"/>
@@ -1770,12 +1772,12 @@
 </p:notes>
 </file>
 
-<file path=ppt/notesSlides/notesSlide8.xml><?xml version="1.0" encoding="utf-8"?>
+<file path=ppt/notesSlides/notesSlide6.xml><?xml version="1.0" encoding="utf-8"?>
 <p:notes xmlns:a="http://schemas.openxmlformats.org/drawingml/2006/main" xmlns:r="http://schemas.openxmlformats.org/officeDocument/2006/relationships" xmlns:mc="http://schemas.openxmlformats.org/markup-compatibility/2006" xmlns:mv="urn:schemas-microsoft-com:mac:vml" xmlns:p="http://schemas.openxmlformats.org/presentationml/2006/main" xmlns:c="http://schemas.openxmlformats.org/drawingml/2006/chart" xmlns:dgm="http://schemas.openxmlformats.org/drawingml/2006/diagram" xmlns:o="urn:schemas-microsoft-com:office:office" xmlns:v="urn:schemas-microsoft-com:vml" xmlns:pvml="urn:schemas-microsoft-com:office:powerpoint" xmlns:com="http://schemas.openxmlformats.org/drawingml/2006/compatibility" xmlns:p14="http://schemas.microsoft.com/office/powerpoint/2010/main" showMasterPhAnim="0" showMasterSp="0">
   <p:cSld>
     <p:spTree>
       <p:nvGrpSpPr>
-        <p:cNvPr id="108" name="Shape 108"/>
+        <p:cNvPr id="89" name="Shape 89"/>
         <p:cNvGrpSpPr/>
         <p:nvPr/>
       </p:nvGrpSpPr>
@@ -1789,7 +1791,7 @@
       </p:grpSpPr>
       <p:sp>
         <p:nvSpPr>
-          <p:cNvPr id="109" name="Shape 109"/>
+          <p:cNvPr id="90" name="Shape 90"/>
           <p:cNvSpPr/>
           <p:nvPr>
             <p:ph idx="2" type="sldImg"/>
@@ -1833,7 +1835,7 @@
       </p:sp>
       <p:sp>
         <p:nvSpPr>
-          <p:cNvPr id="110" name="Shape 110"/>
+          <p:cNvPr id="91" name="Shape 91"/>
           <p:cNvSpPr txBox="1"/>
           <p:nvPr>
             <p:ph idx="1" type="body"/>
@@ -1854,7 +1856,7 @@
           </a:bodyPr>
           <a:lstStyle/>
           <a:p>
-            <a:pPr lvl="0" rtl="0">
+            <a:pPr>
               <a:spcBef>
                 <a:spcPts val="0"/>
               </a:spcBef>
@@ -1875,12 +1877,12 @@
 </p:notes>
 </file>
 
-<file path=ppt/notesSlides/notesSlide9.xml><?xml version="1.0" encoding="utf-8"?>
+<file path=ppt/notesSlides/notesSlide7.xml><?xml version="1.0" encoding="utf-8"?>
 <p:notes xmlns:a="http://schemas.openxmlformats.org/drawingml/2006/main" xmlns:r="http://schemas.openxmlformats.org/officeDocument/2006/relationships" xmlns:mc="http://schemas.openxmlformats.org/markup-compatibility/2006" xmlns:mv="urn:schemas-microsoft-com:mac:vml" xmlns:p="http://schemas.openxmlformats.org/presentationml/2006/main" xmlns:c="http://schemas.openxmlformats.org/drawingml/2006/chart" xmlns:dgm="http://schemas.openxmlformats.org/drawingml/2006/diagram" xmlns:o="urn:schemas-microsoft-com:office:office" xmlns:v="urn:schemas-microsoft-com:vml" xmlns:pvml="urn:schemas-microsoft-com:office:powerpoint" xmlns:com="http://schemas.openxmlformats.org/drawingml/2006/compatibility" xmlns:p14="http://schemas.microsoft.com/office/powerpoint/2010/main" showMasterPhAnim="0" showMasterSp="0">
   <p:cSld>
     <p:spTree>
       <p:nvGrpSpPr>
-        <p:cNvPr id="116" name="Shape 116"/>
+        <p:cNvPr id="97" name="Shape 97"/>
         <p:cNvGrpSpPr/>
         <p:nvPr/>
       </p:nvGrpSpPr>
@@ -1894,7 +1896,7 @@
       </p:grpSpPr>
       <p:sp>
         <p:nvSpPr>
-          <p:cNvPr id="117" name="Shape 117"/>
+          <p:cNvPr id="98" name="Shape 98"/>
           <p:cNvSpPr/>
           <p:nvPr>
             <p:ph idx="2" type="sldImg"/>
@@ -1938,7 +1940,217 @@
       </p:sp>
       <p:sp>
         <p:nvSpPr>
-          <p:cNvPr id="118" name="Shape 118"/>
+          <p:cNvPr id="99" name="Shape 99"/>
+          <p:cNvSpPr txBox="1"/>
+          <p:nvPr>
+            <p:ph idx="1" type="body"/>
+          </p:nvPr>
+        </p:nvSpPr>
+        <p:spPr>
+          <a:xfrm>
+            <a:off x="685800" y="4343400"/>
+            <a:ext cx="5486399" cy="4114800"/>
+          </a:xfrm>
+          <a:prstGeom prst="rect">
+            <a:avLst/>
+          </a:prstGeom>
+        </p:spPr>
+        <p:txBody>
+          <a:bodyPr anchorCtr="0" anchor="t" bIns="91425" lIns="91425" rIns="91425" tIns="91425">
+            <a:noAutofit/>
+          </a:bodyPr>
+          <a:lstStyle/>
+          <a:p>
+            <a:pPr>
+              <a:spcBef>
+                <a:spcPts val="0"/>
+              </a:spcBef>
+              <a:buNone/>
+            </a:pPr>
+            <a:r>
+              <a:t/>
+            </a:r>
+            <a:endParaRPr/>
+          </a:p>
+        </p:txBody>
+      </p:sp>
+    </p:spTree>
+  </p:cSld>
+  <p:clrMapOvr>
+    <a:masterClrMapping/>
+  </p:clrMapOvr>
+</p:notes>
+</file>
+
+<file path=ppt/notesSlides/notesSlide8.xml><?xml version="1.0" encoding="utf-8"?>
+<p:notes xmlns:a="http://schemas.openxmlformats.org/drawingml/2006/main" xmlns:r="http://schemas.openxmlformats.org/officeDocument/2006/relationships" xmlns:mc="http://schemas.openxmlformats.org/markup-compatibility/2006" xmlns:mv="urn:schemas-microsoft-com:mac:vml" xmlns:p="http://schemas.openxmlformats.org/presentationml/2006/main" xmlns:c="http://schemas.openxmlformats.org/drawingml/2006/chart" xmlns:dgm="http://schemas.openxmlformats.org/drawingml/2006/diagram" xmlns:o="urn:schemas-microsoft-com:office:office" xmlns:v="urn:schemas-microsoft-com:vml" xmlns:pvml="urn:schemas-microsoft-com:office:powerpoint" xmlns:com="http://schemas.openxmlformats.org/drawingml/2006/compatibility" xmlns:p14="http://schemas.microsoft.com/office/powerpoint/2010/main" showMasterPhAnim="0" showMasterSp="0">
+  <p:cSld>
+    <p:spTree>
+      <p:nvGrpSpPr>
+        <p:cNvPr id="105" name="Shape 105"/>
+        <p:cNvGrpSpPr/>
+        <p:nvPr/>
+      </p:nvGrpSpPr>
+      <p:grpSpPr>
+        <a:xfrm>
+          <a:off x="0" y="0"/>
+          <a:ext cx="0" cy="0"/>
+          <a:chOff x="0" y="0"/>
+          <a:chExt cx="0" cy="0"/>
+        </a:xfrm>
+      </p:grpSpPr>
+      <p:sp>
+        <p:nvSpPr>
+          <p:cNvPr id="106" name="Shape 106"/>
+          <p:cNvSpPr/>
+          <p:nvPr>
+            <p:ph idx="2" type="sldImg"/>
+          </p:nvPr>
+        </p:nvSpPr>
+        <p:spPr>
+          <a:xfrm>
+            <a:off x="381300" y="685800"/>
+            <a:ext cx="6096000" cy="3429000"/>
+          </a:xfrm>
+          <a:custGeom>
+            <a:pathLst>
+              <a:path extrusionOk="0" h="120000" w="120000">
+                <a:moveTo>
+                  <a:pt x="0" y="0"/>
+                </a:moveTo>
+                <a:lnTo>
+                  <a:pt x="120000" y="0"/>
+                </a:lnTo>
+                <a:lnTo>
+                  <a:pt x="120000" y="120000"/>
+                </a:lnTo>
+                <a:lnTo>
+                  <a:pt x="0" y="120000"/>
+                </a:lnTo>
+                <a:close/>
+              </a:path>
+            </a:pathLst>
+          </a:custGeom>
+          <a:noFill/>
+          <a:ln cap="flat" cmpd="sng" w="9525">
+            <a:solidFill>
+              <a:srgbClr val="000000"/>
+            </a:solidFill>
+            <a:prstDash val="solid"/>
+            <a:round/>
+            <a:headEnd len="med" w="med" type="none"/>
+            <a:tailEnd len="med" w="med" type="none"/>
+          </a:ln>
+        </p:spPr>
+      </p:sp>
+      <p:sp>
+        <p:nvSpPr>
+          <p:cNvPr id="107" name="Shape 107"/>
+          <p:cNvSpPr txBox="1"/>
+          <p:nvPr>
+            <p:ph idx="1" type="body"/>
+          </p:nvPr>
+        </p:nvSpPr>
+        <p:spPr>
+          <a:xfrm>
+            <a:off x="685800" y="4343400"/>
+            <a:ext cx="5486399" cy="4114800"/>
+          </a:xfrm>
+          <a:prstGeom prst="rect">
+            <a:avLst/>
+          </a:prstGeom>
+        </p:spPr>
+        <p:txBody>
+          <a:bodyPr anchorCtr="0" anchor="t" bIns="91425" lIns="91425" rIns="91425" tIns="91425">
+            <a:noAutofit/>
+          </a:bodyPr>
+          <a:lstStyle/>
+          <a:p>
+            <a:pPr>
+              <a:spcBef>
+                <a:spcPts val="0"/>
+              </a:spcBef>
+              <a:buNone/>
+            </a:pPr>
+            <a:r>
+              <a:t/>
+            </a:r>
+            <a:endParaRPr/>
+          </a:p>
+        </p:txBody>
+      </p:sp>
+    </p:spTree>
+  </p:cSld>
+  <p:clrMapOvr>
+    <a:masterClrMapping/>
+  </p:clrMapOvr>
+</p:notes>
+</file>
+
+<file path=ppt/notesSlides/notesSlide9.xml><?xml version="1.0" encoding="utf-8"?>
+<p:notes xmlns:a="http://schemas.openxmlformats.org/drawingml/2006/main" xmlns:r="http://schemas.openxmlformats.org/officeDocument/2006/relationships" xmlns:mc="http://schemas.openxmlformats.org/markup-compatibility/2006" xmlns:mv="urn:schemas-microsoft-com:mac:vml" xmlns:p="http://schemas.openxmlformats.org/presentationml/2006/main" xmlns:c="http://schemas.openxmlformats.org/drawingml/2006/chart" xmlns:dgm="http://schemas.openxmlformats.org/drawingml/2006/diagram" xmlns:o="urn:schemas-microsoft-com:office:office" xmlns:v="urn:schemas-microsoft-com:vml" xmlns:pvml="urn:schemas-microsoft-com:office:powerpoint" xmlns:com="http://schemas.openxmlformats.org/drawingml/2006/compatibility" xmlns:p14="http://schemas.microsoft.com/office/powerpoint/2010/main" showMasterPhAnim="0" showMasterSp="0">
+  <p:cSld>
+    <p:spTree>
+      <p:nvGrpSpPr>
+        <p:cNvPr id="112" name="Shape 112"/>
+        <p:cNvGrpSpPr/>
+        <p:nvPr/>
+      </p:nvGrpSpPr>
+      <p:grpSpPr>
+        <a:xfrm>
+          <a:off x="0" y="0"/>
+          <a:ext cx="0" cy="0"/>
+          <a:chOff x="0" y="0"/>
+          <a:chExt cx="0" cy="0"/>
+        </a:xfrm>
+      </p:grpSpPr>
+      <p:sp>
+        <p:nvSpPr>
+          <p:cNvPr id="113" name="Shape 113"/>
+          <p:cNvSpPr/>
+          <p:nvPr>
+            <p:ph idx="2" type="sldImg"/>
+          </p:nvPr>
+        </p:nvSpPr>
+        <p:spPr>
+          <a:xfrm>
+            <a:off x="381300" y="685800"/>
+            <a:ext cx="6096000" cy="3429000"/>
+          </a:xfrm>
+          <a:custGeom>
+            <a:pathLst>
+              <a:path extrusionOk="0" h="120000" w="120000">
+                <a:moveTo>
+                  <a:pt x="0" y="0"/>
+                </a:moveTo>
+                <a:lnTo>
+                  <a:pt x="120000" y="0"/>
+                </a:lnTo>
+                <a:lnTo>
+                  <a:pt x="120000" y="120000"/>
+                </a:lnTo>
+                <a:lnTo>
+                  <a:pt x="0" y="120000"/>
+                </a:lnTo>
+                <a:close/>
+              </a:path>
+            </a:pathLst>
+          </a:custGeom>
+          <a:noFill/>
+          <a:ln cap="flat" cmpd="sng" w="9525">
+            <a:solidFill>
+              <a:srgbClr val="000000"/>
+            </a:solidFill>
+            <a:prstDash val="solid"/>
+            <a:round/>
+            <a:headEnd len="med" w="med" type="none"/>
+            <a:tailEnd len="med" w="med" type="none"/>
+          </a:ln>
+        </p:spPr>
+      </p:sp>
+      <p:sp>
+        <p:nvSpPr>
+          <p:cNvPr id="114" name="Shape 114"/>
           <p:cNvSpPr txBox="1"/>
           <p:nvPr>
             <p:ph idx="1" type="body"/>
@@ -5965,7 +6177,7 @@
   <p:cSld>
     <p:spTree>
       <p:nvGrpSpPr>
-        <p:cNvPr id="127" name="Shape 127"/>
+        <p:cNvPr id="123" name="Shape 123"/>
         <p:cNvGrpSpPr/>
         <p:nvPr/>
       </p:nvGrpSpPr>
@@ -5979,7 +6191,7 @@
       </p:grpSpPr>
       <p:sp>
         <p:nvSpPr>
-          <p:cNvPr id="128" name="Shape 128"/>
+          <p:cNvPr id="124" name="Shape 124"/>
           <p:cNvSpPr txBox="1"/>
           <p:nvPr>
             <p:ph type="title"/>
@@ -6000,27 +6212,22 @@
           </a:bodyPr>
           <a:lstStyle/>
           <a:p>
-            <a:pPr lvl="0">
-              <a:spcBef>
-                <a:spcPts val="0"/>
-              </a:spcBef>
-              <a:buClr>
-                <a:schemeClr val="dk1"/>
-              </a:buClr>
-              <a:buSzPct val="26190"/>
-              <a:buFont typeface="Arial"/>
+            <a:pPr lvl="0" rtl="0">
+              <a:spcBef>
+                <a:spcPts val="0"/>
+              </a:spcBef>
               <a:buNone/>
             </a:pPr>
             <a:r>
               <a:rPr lang="en" u="sng"/>
-              <a:t>Development (2/2)</a:t>
+              <a:t>Web Scraper (2/2)</a:t>
             </a:r>
           </a:p>
         </p:txBody>
       </p:sp>
       <p:sp>
         <p:nvSpPr>
-          <p:cNvPr id="129" name="Shape 129"/>
+          <p:cNvPr id="125" name="Shape 125"/>
           <p:cNvSpPr txBox="1"/>
           <p:nvPr>
             <p:ph idx="1" type="body"/>
@@ -6041,45 +6248,35 @@
           </a:bodyPr>
           <a:lstStyle/>
           <a:p>
+            <a:pPr rtl="0">
+              <a:spcBef>
+                <a:spcPts val="0"/>
+              </a:spcBef>
+              <a:buNone/>
+            </a:pPr>
+            <a:r>
+              <a:rPr b="1" i="1" lang="en" sz="2400"/>
+              <a:t>PyVirtualDisplay</a:t>
+            </a:r>
+          </a:p>
+          <a:p>
+            <a:pPr indent="-355600" lvl="0" marL="457200" rtl="0">
+              <a:spcBef>
+                <a:spcPts val="0"/>
+              </a:spcBef>
+              <a:buSzPct val="100000"/>
+              <a:buChar char="➔"/>
+            </a:pPr>
+            <a:r>
+              <a:rPr lang="en" sz="2000"/>
+              <a:t>Allows our program to open up a web page.</a:t>
+            </a:r>
+          </a:p>
+          <a:p>
             <a:pPr lvl="0" rtl="0">
               <a:spcBef>
                 <a:spcPts val="0"/>
               </a:spcBef>
-              <a:buClr>
-                <a:schemeClr val="dk1"/>
-              </a:buClr>
-              <a:buSzPct val="45833"/>
-              <a:buFont typeface="Arial"/>
-              <a:buNone/>
-            </a:pPr>
-            <a:r>
-              <a:rPr b="1" i="1" lang="en" sz="2400"/>
-              <a:t>Geany</a:t>
-            </a:r>
-          </a:p>
-          <a:p>
-            <a:pPr indent="-355600" lvl="0" marL="457200" rtl="0">
-              <a:spcBef>
-                <a:spcPts val="0"/>
-              </a:spcBef>
-              <a:buSzPct val="100000"/>
-              <a:buChar char="➔"/>
-            </a:pPr>
-            <a:r>
-              <a:rPr lang="en" sz="2000"/>
-              <a:t>Used as an IDE.</a:t>
-            </a:r>
-          </a:p>
-          <a:p>
-            <a:pPr lvl="0" rtl="0">
-              <a:spcBef>
-                <a:spcPts val="0"/>
-              </a:spcBef>
-              <a:buClr>
-                <a:schemeClr val="dk1"/>
-              </a:buClr>
-              <a:buSzPct val="55000"/>
-              <a:buFont typeface="Arial"/>
               <a:buNone/>
             </a:pPr>
             <a:r>
@@ -6100,26 +6297,67 @@
                 <a:cs typeface="Arial"/>
                 <a:sym typeface="Arial"/>
               </a:rPr>
-              <a:t>★★★ (Finicky, difficult to use)</a:t>
-            </a:r>
-          </a:p>
-          <a:p>
-            <a:pPr>
-              <a:spcBef>
-                <a:spcPts val="0"/>
-              </a:spcBef>
-              <a:buNone/>
-            </a:pPr>
-            <a:r>
-              <a:t/>
-            </a:r>
-            <a:endParaRPr/>
+              <a:t>★★★★★ (Easy to use and intuitive)</a:t>
+            </a:r>
+          </a:p>
+          <a:p>
+            <a:pPr rtl="0">
+              <a:spcBef>
+                <a:spcPts val="0"/>
+              </a:spcBef>
+              <a:buNone/>
+            </a:pPr>
+            <a:r>
+              <a:rPr b="1" i="1" lang="en" sz="2400"/>
+              <a:t>Python-MySQLDB</a:t>
+            </a:r>
+          </a:p>
+          <a:p>
+            <a:pPr indent="-355600" lvl="0" marL="457200" rtl="0">
+              <a:spcBef>
+                <a:spcPts val="0"/>
+              </a:spcBef>
+              <a:buSzPct val="100000"/>
+              <a:buChar char="➔"/>
+            </a:pPr>
+            <a:r>
+              <a:rPr lang="en" sz="2000"/>
+              <a:t>Used to allow Python to interface with MySQL DB and queries. </a:t>
+            </a:r>
+          </a:p>
+          <a:p>
+            <a:pPr lvl="0" rtl="0">
+              <a:spcBef>
+                <a:spcPts val="0"/>
+              </a:spcBef>
+              <a:buNone/>
+            </a:pPr>
+            <a:r>
+              <a:rPr lang="en" sz="2000" u="sng"/>
+              <a:t>Ranking:</a:t>
+            </a:r>
+            <a:r>
+              <a:rPr lang="en" sz="2000"/>
+              <a:t> </a:t>
+            </a:r>
+            <a:r>
+              <a:rPr lang="en" sz="2000">
+                <a:solidFill>
+                  <a:srgbClr val="333333"/>
+                </a:solidFill>
+                <a:latin typeface="Arial"/>
+                <a:ea typeface="Arial"/>
+                <a:cs typeface="Arial"/>
+                <a:sym typeface="Arial"/>
+              </a:rPr>
+              <a:t>★★★★ (Unintuitive syntax when using)</a:t>
+            </a:r>
           </a:p>
         </p:txBody>
       </p:sp>
       <p:pic>
         <p:nvPicPr>
-          <p:cNvPr id="130" name="Shape 130"/>
+          <p:cNvPr id="126" name="Shape 126"/>
           <p:cNvPicPr preferRelativeResize="0"/>
           <p:nvPr/>
         </p:nvPicPr>
@@ -6133,8 +6371,36 @@
         </p:blipFill>
         <p:spPr>
           <a:xfrm>
-            <a:off x="6831225" y="928350"/>
-            <a:ext cx="2001074" cy="2001074"/>
+            <a:off x="7387850" y="464400"/>
+            <a:ext cx="1444449" cy="1444449"/>
+          </a:xfrm>
+          <a:prstGeom prst="rect">
+            <a:avLst/>
+          </a:prstGeom>
+          <a:noFill/>
+          <a:ln>
+            <a:noFill/>
+          </a:ln>
+        </p:spPr>
+      </p:pic>
+      <p:pic>
+        <p:nvPicPr>
+          <p:cNvPr id="127" name="Shape 127"/>
+          <p:cNvPicPr preferRelativeResize="0"/>
+          <p:nvPr/>
+        </p:nvPicPr>
+        <p:blipFill>
+          <a:blip r:embed="rId4">
+            <a:alphaModFix/>
+          </a:blip>
+          <a:stretch>
+            <a:fillRect/>
+          </a:stretch>
+        </p:blipFill>
+        <p:spPr>
+          <a:xfrm>
+            <a:off x="6774175" y="2398875"/>
+            <a:ext cx="2058124" cy="1111374"/>
           </a:xfrm>
           <a:prstGeom prst="rect">
             <a:avLst/>
@@ -6161,7 +6427,7 @@
   <p:cSld>
     <p:spTree>
       <p:nvGrpSpPr>
-        <p:cNvPr id="134" name="Shape 134"/>
+        <p:cNvPr id="131" name="Shape 131"/>
         <p:cNvGrpSpPr/>
         <p:nvPr/>
       </p:nvGrpSpPr>
@@ -6175,7 +6441,7 @@
       </p:grpSpPr>
       <p:sp>
         <p:nvSpPr>
-          <p:cNvPr id="135" name="Shape 135"/>
+          <p:cNvPr id="132" name="Shape 132"/>
           <p:cNvSpPr txBox="1"/>
           <p:nvPr>
             <p:ph type="title"/>
@@ -6204,14 +6470,14 @@
             </a:pPr>
             <a:r>
               <a:rPr lang="en" u="sng"/>
-              <a:t>Testing</a:t>
+              <a:t>Development (1/2)</a:t>
             </a:r>
           </a:p>
         </p:txBody>
       </p:sp>
       <p:sp>
         <p:nvSpPr>
-          <p:cNvPr id="136" name="Shape 136"/>
+          <p:cNvPr id="133" name="Shape 133"/>
           <p:cNvSpPr txBox="1"/>
           <p:nvPr>
             <p:ph idx="1" type="body"/>
@@ -6232,40 +6498,40 @@
           </a:bodyPr>
           <a:lstStyle/>
           <a:p>
-            <a:pPr rtl="0">
-              <a:spcBef>
-                <a:spcPts val="0"/>
-              </a:spcBef>
-              <a:buNone/>
-            </a:pPr>
-            <a:r>
-              <a:rPr b="1" i="1" lang="en" sz="2400"/>
-              <a:t>Python UnitTest</a:t>
-            </a:r>
-          </a:p>
-          <a:p>
-            <a:pPr indent="-355600" lvl="0" marL="457200" rtl="0">
-              <a:spcBef>
-                <a:spcPts val="0"/>
-              </a:spcBef>
-              <a:buSzPct val="100000"/>
-              <a:buChar char="➔"/>
-            </a:pPr>
-            <a:r>
-              <a:rPr lang="en" sz="2000"/>
-              <a:t>Used to write automated unit tests on Python code.</a:t>
-            </a:r>
-          </a:p>
-          <a:p>
-            <a:pPr lvl="0">
+            <a:pPr lvl="0" rtl="0">
               <a:spcBef>
                 <a:spcPts val="0"/>
               </a:spcBef>
               <a:buClr>
                 <a:schemeClr val="dk1"/>
               </a:buClr>
-              <a:buSzPct val="55000"/>
+              <a:buSzPct val="45833"/>
               <a:buFont typeface="Arial"/>
+              <a:buNone/>
+            </a:pPr>
+            <a:r>
+              <a:rPr b="1" i="1" lang="en" sz="2400"/>
+              <a:t>Vim</a:t>
+            </a:r>
+          </a:p>
+          <a:p>
+            <a:pPr indent="-355600" lvl="0" marL="457200" rtl="0">
+              <a:spcBef>
+                <a:spcPts val="0"/>
+              </a:spcBef>
+              <a:buSzPct val="100000"/>
+              <a:buChar char="➔"/>
+            </a:pPr>
+            <a:r>
+              <a:rPr lang="en" sz="2000"/>
+              <a:t>Used to edit code and make quick changes.</a:t>
+            </a:r>
+          </a:p>
+          <a:p>
+            <a:pPr lvl="0" rtl="0">
+              <a:spcBef>
+                <a:spcPts val="0"/>
+              </a:spcBef>
               <a:buNone/>
             </a:pPr>
             <a:r>
@@ -6286,14 +6552,84 @@
                 <a:cs typeface="Arial"/>
                 <a:sym typeface="Arial"/>
               </a:rPr>
-              <a:t>★★★★★ (Easy to use and write)</a:t>
-            </a:r>
+              <a:t>★★★★ (Difficult learning curve, but powerful)</a:t>
+            </a:r>
+          </a:p>
+          <a:p>
+            <a:pPr lvl="0" rtl="0">
+              <a:spcBef>
+                <a:spcPts val="0"/>
+              </a:spcBef>
+              <a:buNone/>
+            </a:pPr>
+            <a:r>
+              <a:rPr b="1" i="1" lang="en" sz="2400"/>
+              <a:t>Sublime</a:t>
+            </a:r>
+          </a:p>
+          <a:p>
+            <a:pPr indent="-355600" lvl="0" marL="457200" rtl="0">
+              <a:spcBef>
+                <a:spcPts val="0"/>
+              </a:spcBef>
+              <a:buSzPct val="100000"/>
+              <a:buChar char="➔"/>
+            </a:pPr>
+            <a:r>
+              <a:rPr lang="en" sz="2000"/>
+              <a:t>Used to edit multiple files at once.</a:t>
+            </a:r>
+          </a:p>
+          <a:p>
+            <a:pPr lvl="0" rtl="0">
+              <a:spcBef>
+                <a:spcPts val="0"/>
+              </a:spcBef>
+              <a:buClr>
+                <a:schemeClr val="dk1"/>
+              </a:buClr>
+              <a:buSzPct val="55000"/>
+              <a:buFont typeface="Arial"/>
+              <a:buNone/>
+            </a:pPr>
+            <a:r>
+              <a:rPr lang="en" sz="2000" u="sng"/>
+              <a:t>Ranking:</a:t>
+            </a:r>
+            <a:r>
+              <a:rPr lang="en" sz="2000"/>
+              <a:t> </a:t>
+            </a:r>
+            <a:r>
+              <a:rPr lang="en" sz="2000">
+                <a:solidFill>
+                  <a:srgbClr val="333333"/>
+                </a:solidFill>
+                <a:latin typeface="Arial"/>
+                <a:ea typeface="Arial"/>
+                <a:cs typeface="Arial"/>
+                <a:sym typeface="Arial"/>
+              </a:rPr>
+              <a:t>★★★★★ (Easy to use)</a:t>
+            </a:r>
+          </a:p>
+          <a:p>
+            <a:pPr>
+              <a:spcBef>
+                <a:spcPts val="0"/>
+              </a:spcBef>
+              <a:buNone/>
+            </a:pPr>
+            <a:r>
+              <a:t/>
+            </a:r>
+            <a:endParaRPr/>
           </a:p>
         </p:txBody>
       </p:sp>
       <p:pic>
         <p:nvPicPr>
-          <p:cNvPr id="137" name="Shape 137"/>
+          <p:cNvPr id="134" name="Shape 134"/>
           <p:cNvPicPr preferRelativeResize="0"/>
           <p:nvPr/>
         </p:nvPicPr>
@@ -6307,8 +6643,36 @@
         </p:blipFill>
         <p:spPr>
           <a:xfrm>
-            <a:off x="7002600" y="786500"/>
-            <a:ext cx="1829700" cy="1829700"/>
+            <a:off x="7248600" y="798875"/>
+            <a:ext cx="1583698" cy="1586826"/>
+          </a:xfrm>
+          <a:prstGeom prst="rect">
+            <a:avLst/>
+          </a:prstGeom>
+          <a:noFill/>
+          <a:ln>
+            <a:noFill/>
+          </a:ln>
+        </p:spPr>
+      </p:pic>
+      <p:pic>
+        <p:nvPicPr>
+          <p:cNvPr id="135" name="Shape 135"/>
+          <p:cNvPicPr preferRelativeResize="0"/>
+          <p:nvPr/>
+        </p:nvPicPr>
+        <p:blipFill>
+          <a:blip r:embed="rId4">
+            <a:alphaModFix/>
+          </a:blip>
+          <a:stretch>
+            <a:fillRect/>
+          </a:stretch>
+        </p:blipFill>
+        <p:spPr>
+          <a:xfrm>
+            <a:off x="7248600" y="2722650"/>
+            <a:ext cx="1583699" cy="1583699"/>
           </a:xfrm>
           <a:prstGeom prst="rect">
             <a:avLst/>
@@ -6335,7 +6699,7 @@
   <p:cSld>
     <p:spTree>
       <p:nvGrpSpPr>
-        <p:cNvPr id="141" name="Shape 141"/>
+        <p:cNvPr id="139" name="Shape 139"/>
         <p:cNvGrpSpPr/>
         <p:nvPr/>
       </p:nvGrpSpPr>
@@ -6349,7 +6713,7 @@
       </p:grpSpPr>
       <p:sp>
         <p:nvSpPr>
-          <p:cNvPr id="142" name="Shape 142"/>
+          <p:cNvPr id="140" name="Shape 140"/>
           <p:cNvSpPr txBox="1"/>
           <p:nvPr>
             <p:ph type="title"/>
@@ -6370,22 +6734,27 @@
           </a:bodyPr>
           <a:lstStyle/>
           <a:p>
-            <a:pPr>
-              <a:spcBef>
-                <a:spcPts val="0"/>
-              </a:spcBef>
+            <a:pPr lvl="0">
+              <a:spcBef>
+                <a:spcPts val="0"/>
+              </a:spcBef>
+              <a:buClr>
+                <a:schemeClr val="dk1"/>
+              </a:buClr>
+              <a:buSzPct val="26190"/>
+              <a:buFont typeface="Arial"/>
               <a:buNone/>
             </a:pPr>
             <a:r>
               <a:rPr lang="en" u="sng"/>
-              <a:t>Documentation</a:t>
+              <a:t>Development (2/2)</a:t>
             </a:r>
           </a:p>
         </p:txBody>
       </p:sp>
       <p:sp>
         <p:nvSpPr>
-          <p:cNvPr id="143" name="Shape 143"/>
+          <p:cNvPr id="141" name="Shape 141"/>
           <p:cNvSpPr txBox="1"/>
           <p:nvPr>
             <p:ph idx="1" type="body"/>
@@ -6406,15 +6775,20 @@
           </a:bodyPr>
           <a:lstStyle/>
           <a:p>
-            <a:pPr rtl="0">
-              <a:spcBef>
-                <a:spcPts val="0"/>
-              </a:spcBef>
+            <a:pPr lvl="0" rtl="0">
+              <a:spcBef>
+                <a:spcPts val="0"/>
+              </a:spcBef>
+              <a:buClr>
+                <a:schemeClr val="dk1"/>
+              </a:buClr>
+              <a:buSzPct val="45833"/>
+              <a:buFont typeface="Arial"/>
               <a:buNone/>
             </a:pPr>
             <a:r>
               <a:rPr b="1" i="1" lang="en" sz="2400"/>
-              <a:t>Pydoc</a:t>
+              <a:t>Geany</a:t>
             </a:r>
           </a:p>
           <a:p>
@@ -6427,7 +6801,7 @@
             </a:pPr>
             <a:r>
               <a:rPr lang="en" sz="2000"/>
-              <a:t>Used to generate auto-documentation from Python code.</a:t>
+              <a:t>Used as an IDE.</a:t>
             </a:r>
           </a:p>
           <a:p>
@@ -6460,7 +6834,7 @@
                 <a:cs typeface="Arial"/>
                 <a:sym typeface="Arial"/>
               </a:rPr>
-              <a:t>★★★★★ (Easy to use, works well)</a:t>
+              <a:t>★★★ (Finicky, difficult to use)</a:t>
             </a:r>
           </a:p>
           <a:p>
@@ -6479,7 +6853,7 @@
       </p:sp>
       <p:pic>
         <p:nvPicPr>
-          <p:cNvPr id="144" name="Shape 144"/>
+          <p:cNvPr id="142" name="Shape 142"/>
           <p:cNvPicPr preferRelativeResize="0"/>
           <p:nvPr/>
         </p:nvPicPr>
@@ -6493,8 +6867,8 @@
         </p:blipFill>
         <p:spPr>
           <a:xfrm>
-            <a:off x="7003375" y="315925"/>
-            <a:ext cx="1828924" cy="1828924"/>
+            <a:off x="6831225" y="928350"/>
+            <a:ext cx="2001074" cy="2001074"/>
           </a:xfrm>
           <a:prstGeom prst="rect">
             <a:avLst/>
@@ -6521,7 +6895,7 @@
   <p:cSld>
     <p:spTree>
       <p:nvGrpSpPr>
-        <p:cNvPr id="148" name="Shape 148"/>
+        <p:cNvPr id="146" name="Shape 146"/>
         <p:cNvGrpSpPr/>
         <p:nvPr/>
       </p:nvGrpSpPr>
@@ -6535,7 +6909,7 @@
       </p:grpSpPr>
       <p:sp>
         <p:nvSpPr>
-          <p:cNvPr id="149" name="Shape 149"/>
+          <p:cNvPr id="147" name="Shape 147"/>
           <p:cNvSpPr txBox="1"/>
           <p:nvPr>
             <p:ph type="title"/>
@@ -6564,14 +6938,14 @@
             </a:pPr>
             <a:r>
               <a:rPr lang="en" u="sng"/>
-              <a:t>Methodology</a:t>
+              <a:t>Testing</a:t>
             </a:r>
           </a:p>
         </p:txBody>
       </p:sp>
       <p:sp>
         <p:nvSpPr>
-          <p:cNvPr id="150" name="Shape 150"/>
+          <p:cNvPr id="148" name="Shape 148"/>
           <p:cNvSpPr txBox="1"/>
           <p:nvPr>
             <p:ph idx="1" type="body"/>
@@ -6592,7 +6966,7 @@
           </a:bodyPr>
           <a:lstStyle/>
           <a:p>
-            <a:pPr lvl="0" rtl="0">
+            <a:pPr rtl="0">
               <a:spcBef>
                 <a:spcPts val="0"/>
               </a:spcBef>
@@ -6600,7 +6974,7 @@
             </a:pPr>
             <a:r>
               <a:rPr b="1" i="1" lang="en" sz="2400"/>
-              <a:t>Agile (3-person version)</a:t>
+              <a:t>Python UnitTest</a:t>
             </a:r>
           </a:p>
           <a:p>
@@ -6613,53 +6987,19 @@
             </a:pPr>
             <a:r>
               <a:rPr lang="en" sz="2000"/>
-              <a:t>Requirements changed as our abilities increased and we learned the capabilities of our tools.</a:t>
-            </a:r>
-          </a:p>
-          <a:p>
-            <a:pPr indent="-355600" lvl="0" marL="457200" rtl="0">
-              <a:spcBef>
-                <a:spcPts val="0"/>
-              </a:spcBef>
-              <a:buSzPct val="100000"/>
-              <a:buChar char="➔"/>
-            </a:pPr>
-            <a:r>
-              <a:rPr lang="en" sz="2000"/>
-              <a:t>We changed the project over time to adapt to the new requirements.</a:t>
-            </a:r>
-          </a:p>
-          <a:p>
-            <a:pPr indent="-355600" lvl="0" marL="457200" rtl="0">
-              <a:spcBef>
-                <a:spcPts val="0"/>
-              </a:spcBef>
-              <a:buSzPct val="100000"/>
-              <a:buChar char="➔"/>
-            </a:pPr>
-            <a:r>
-              <a:rPr lang="en" sz="2000"/>
-              <a:t>We had regular meetings and standups.</a:t>
-            </a:r>
-          </a:p>
-          <a:p>
-            <a:pPr indent="-355600" lvl="0" marL="457200" rtl="0">
-              <a:spcBef>
-                <a:spcPts val="0"/>
-              </a:spcBef>
-              <a:buSzPct val="100000"/>
-              <a:buChar char="➔"/>
-            </a:pPr>
-            <a:r>
-              <a:rPr lang="en" sz="2000"/>
-              <a:t>We implemented peer programming when possible.</a:t>
-            </a:r>
-          </a:p>
-          <a:p>
-            <a:pPr lvl="0" rtl="0">
-              <a:spcBef>
-                <a:spcPts val="0"/>
-              </a:spcBef>
+              <a:t>Used to write automated unit tests on Python code.</a:t>
+            </a:r>
+          </a:p>
+          <a:p>
+            <a:pPr lvl="0">
+              <a:spcBef>
+                <a:spcPts val="0"/>
+              </a:spcBef>
+              <a:buClr>
+                <a:schemeClr val="dk1"/>
+              </a:buClr>
+              <a:buSzPct val="55000"/>
+              <a:buFont typeface="Arial"/>
               <a:buNone/>
             </a:pPr>
             <a:r>
@@ -6680,27 +7020,39 @@
                 <a:cs typeface="Arial"/>
                 <a:sym typeface="Arial"/>
               </a:rPr>
-              <a:t>★★★★★ (We worked efficiently and communicated well)</a:t>
-            </a:r>
-          </a:p>
-          <a:p>
-            <a:pPr lvl="0">
-              <a:spcBef>
-                <a:spcPts val="0"/>
-              </a:spcBef>
-              <a:buClr>
-                <a:schemeClr val="dk1"/>
-              </a:buClr>
-              <a:buFont typeface="Arial"/>
-              <a:buNone/>
-            </a:pPr>
-            <a:r>
-              <a:t/>
-            </a:r>
-            <a:endParaRPr b="1" i="1" sz="2400"/>
+              <a:t>★★★★★ (Easy to use and write)</a:t>
+            </a:r>
           </a:p>
         </p:txBody>
       </p:sp>
+      <p:pic>
+        <p:nvPicPr>
+          <p:cNvPr id="149" name="Shape 149"/>
+          <p:cNvPicPr preferRelativeResize="0"/>
+          <p:nvPr/>
+        </p:nvPicPr>
+        <p:blipFill>
+          <a:blip r:embed="rId3">
+            <a:alphaModFix/>
+          </a:blip>
+          <a:stretch>
+            <a:fillRect/>
+          </a:stretch>
+        </p:blipFill>
+        <p:spPr>
+          <a:xfrm>
+            <a:off x="7002600" y="786500"/>
+            <a:ext cx="1829700" cy="1829700"/>
+          </a:xfrm>
+          <a:prstGeom prst="rect">
+            <a:avLst/>
+          </a:prstGeom>
+          <a:noFill/>
+          <a:ln>
+            <a:noFill/>
+          </a:ln>
+        </p:spPr>
+      </p:pic>
     </p:spTree>
   </p:cSld>
   <p:clrMapOvr>
@@ -6717,7 +7069,7 @@
   <p:cSld>
     <p:spTree>
       <p:nvGrpSpPr>
-        <p:cNvPr id="154" name="Shape 154"/>
+        <p:cNvPr id="153" name="Shape 153"/>
         <p:cNvGrpSpPr/>
         <p:nvPr/>
       </p:nvGrpSpPr>
@@ -6731,7 +7083,7 @@
       </p:grpSpPr>
       <p:sp>
         <p:nvSpPr>
-          <p:cNvPr id="155" name="Shape 155"/>
+          <p:cNvPr id="154" name="Shape 154"/>
           <p:cNvSpPr txBox="1"/>
           <p:nvPr>
             <p:ph type="title"/>
@@ -6759,15 +7111,15 @@
               <a:buNone/>
             </a:pPr>
             <a:r>
-              <a:rPr i="1" lang="en" u="sng"/>
-              <a:t>Challenges</a:t>
+              <a:rPr lang="en" u="sng"/>
+              <a:t>Documentation</a:t>
             </a:r>
           </a:p>
         </p:txBody>
       </p:sp>
       <p:sp>
         <p:nvSpPr>
-          <p:cNvPr id="156" name="Shape 156"/>
+          <p:cNvPr id="155" name="Shape 155"/>
           <p:cNvSpPr txBox="1"/>
           <p:nvPr>
             <p:ph idx="1" type="body"/>
@@ -6775,21 +7127,12 @@
         </p:nvSpPr>
         <p:spPr>
           <a:xfrm>
-            <a:off x="311700" y="1026850"/>
+            <a:off x="311700" y="1225225"/>
             <a:ext cx="8520599" cy="3354000"/>
           </a:xfrm>
           <a:prstGeom prst="rect">
             <a:avLst/>
           </a:prstGeom>
-          <a:ln cap="flat" cmpd="sng" w="9525">
-            <a:solidFill>
-              <a:srgbClr val="FFFFFF"/>
-            </a:solidFill>
-            <a:prstDash val="solid"/>
-            <a:round/>
-            <a:headEnd len="med" w="med" type="none"/>
-            <a:tailEnd len="med" w="med" type="none"/>
-          </a:ln>
         </p:spPr>
         <p:txBody>
           <a:bodyPr anchorCtr="0" anchor="t" bIns="91425" lIns="91425" rIns="91425" tIns="91425">
@@ -6797,10 +7140,19 @@
           </a:bodyPr>
           <a:lstStyle/>
           <a:p>
+            <a:pPr rtl="0">
+              <a:spcBef>
+                <a:spcPts val="0"/>
+              </a:spcBef>
+              <a:buNone/>
+            </a:pPr>
+            <a:r>
+              <a:rPr b="1" i="1" lang="en" sz="2400"/>
+              <a:t>Pydoc</a:t>
+            </a:r>
+          </a:p>
+          <a:p>
             <a:pPr indent="-355600" lvl="0" marL="457200" rtl="0">
-              <a:lnSpc>
-                <a:spcPct val="115000"/>
-              </a:lnSpc>
               <a:spcBef>
                 <a:spcPts val="0"/>
               </a:spcBef>
@@ -6809,107 +7161,84 @@
             </a:pPr>
             <a:r>
               <a:rPr lang="en" sz="2000"/>
-              <a:t>Inexperience</a:t>
-            </a:r>
-          </a:p>
-          <a:p>
-            <a:pPr indent="-355600" lvl="1" marL="914400" rtl="0">
-              <a:lnSpc>
-                <a:spcPct val="115000"/>
-              </a:lnSpc>
-              <a:spcBef>
-                <a:spcPts val="0"/>
-              </a:spcBef>
-              <a:buSzPct val="100000"/>
-              <a:buChar char="◆"/>
-            </a:pPr>
+              <a:t>Used to generate auto-documentation from Python code.</a:t>
+            </a:r>
+          </a:p>
+          <a:p>
+            <a:pPr lvl="0" rtl="0">
+              <a:spcBef>
+                <a:spcPts val="0"/>
+              </a:spcBef>
+              <a:buClr>
+                <a:schemeClr val="dk1"/>
+              </a:buClr>
+              <a:buSzPct val="55000"/>
+              <a:buFont typeface="Arial"/>
+              <a:buNone/>
+            </a:pPr>
+            <a:r>
+              <a:rPr lang="en" sz="2000" u="sng"/>
+              <a:t>Ranking:</a:t>
+            </a:r>
             <a:r>
               <a:rPr lang="en" sz="2000"/>
-              <a:t>We did not know how to set up a server</a:t>
-            </a:r>
-          </a:p>
-          <a:p>
-            <a:pPr indent="-355600" lvl="1" marL="914400" rtl="0">
-              <a:lnSpc>
-                <a:spcPct val="115000"/>
-              </a:lnSpc>
-              <a:spcBef>
-                <a:spcPts val="0"/>
-              </a:spcBef>
-              <a:buSzPct val="100000"/>
-              <a:buChar char="◆"/>
-            </a:pPr>
-            <a:r>
-              <a:rPr lang="en" sz="2000"/>
-              <a:t>We did not know how to use HTML, JavaScript, PHP, and CSS together</a:t>
-            </a:r>
-          </a:p>
-          <a:p>
-            <a:pPr indent="-355600" lvl="0" marL="457200" rtl="0">
-              <a:lnSpc>
-                <a:spcPct val="115000"/>
-              </a:lnSpc>
-              <a:spcBef>
-                <a:spcPts val="0"/>
-              </a:spcBef>
-              <a:buSzPct val="100000"/>
-              <a:buChar char="➔"/>
-            </a:pPr>
-            <a:r>
-              <a:rPr lang="en" sz="2000"/>
-              <a:t>Technology</a:t>
-            </a:r>
-          </a:p>
-          <a:p>
-            <a:pPr indent="-355600" lvl="1" marL="914400" rtl="0">
-              <a:lnSpc>
-                <a:spcPct val="115000"/>
-              </a:lnSpc>
-              <a:spcBef>
-                <a:spcPts val="0"/>
-              </a:spcBef>
-              <a:buSzPct val="100000"/>
-              <a:buChar char="◆"/>
-            </a:pPr>
-            <a:r>
-              <a:rPr lang="en" sz="2000"/>
-              <a:t>AWS was difficult to work with and the server would periodically go down for seemingly no reason</a:t>
-            </a:r>
-          </a:p>
-          <a:p>
-            <a:pPr indent="-355600" lvl="0" marL="457200" rtl="0">
-              <a:lnSpc>
-                <a:spcPct val="115000"/>
-              </a:lnSpc>
-              <a:spcBef>
-                <a:spcPts val="0"/>
-              </a:spcBef>
-              <a:buSzPct val="100000"/>
-              <a:buChar char="➔"/>
-            </a:pPr>
-            <a:r>
-              <a:rPr lang="en" sz="2000"/>
-              <a:t>Team Size</a:t>
-            </a:r>
-          </a:p>
-          <a:p>
-            <a:pPr indent="-355600" lvl="1" marL="914400" rtl="0">
-              <a:lnSpc>
-                <a:spcPct val="115000"/>
-              </a:lnSpc>
-              <a:spcBef>
-                <a:spcPts val="0"/>
-              </a:spcBef>
-              <a:buSzPct val="100000"/>
-              <a:buChar char="◆"/>
-            </a:pPr>
-            <a:r>
-              <a:rPr lang="en" sz="2000"/>
-              <a:t>We had an ambitious project, but not much manpower; we all have had to do a lot of work to get our project to a semi-complete stage</a:t>
-            </a:r>
+              <a:t> </a:t>
+            </a:r>
+            <a:r>
+              <a:rPr lang="en" sz="2000">
+                <a:solidFill>
+                  <a:srgbClr val="333333"/>
+                </a:solidFill>
+                <a:latin typeface="Arial"/>
+                <a:ea typeface="Arial"/>
+                <a:cs typeface="Arial"/>
+                <a:sym typeface="Arial"/>
+              </a:rPr>
+              <a:t>★★★★★ (Easy to use, works well)</a:t>
+            </a:r>
+          </a:p>
+          <a:p>
+            <a:pPr>
+              <a:spcBef>
+                <a:spcPts val="0"/>
+              </a:spcBef>
+              <a:buNone/>
+            </a:pPr>
+            <a:r>
+              <a:t/>
+            </a:r>
+            <a:endParaRPr/>
           </a:p>
         </p:txBody>
       </p:sp>
+      <p:pic>
+        <p:nvPicPr>
+          <p:cNvPr id="156" name="Shape 156"/>
+          <p:cNvPicPr preferRelativeResize="0"/>
+          <p:nvPr/>
+        </p:nvPicPr>
+        <p:blipFill>
+          <a:blip r:embed="rId3">
+            <a:alphaModFix/>
+          </a:blip>
+          <a:stretch>
+            <a:fillRect/>
+          </a:stretch>
+        </p:blipFill>
+        <p:spPr>
+          <a:xfrm>
+            <a:off x="7003375" y="315925"/>
+            <a:ext cx="1828924" cy="1828924"/>
+          </a:xfrm>
+          <a:prstGeom prst="rect">
+            <a:avLst/>
+          </a:prstGeom>
+          <a:noFill/>
+          <a:ln>
+            <a:noFill/>
+          </a:ln>
+        </p:spPr>
+      </p:pic>
     </p:spTree>
   </p:cSld>
   <p:clrMapOvr>
@@ -6968,8 +7297,8 @@
               <a:buNone/>
             </a:pPr>
             <a:r>
-              <a:rPr lang="en"/>
-              <a:t>Demo</a:t>
+              <a:rPr lang="en" u="sng"/>
+              <a:t>Methodology</a:t>
             </a:r>
           </a:p>
         </p:txBody>
@@ -6997,6 +7326,166 @@
           </a:bodyPr>
           <a:lstStyle/>
           <a:p>
+            <a:pPr lvl="0" rtl="0">
+              <a:spcBef>
+                <a:spcPts val="0"/>
+              </a:spcBef>
+              <a:buNone/>
+            </a:pPr>
+            <a:r>
+              <a:rPr b="1" i="1" lang="en" sz="2400"/>
+              <a:t>Agile (3-person version)</a:t>
+            </a:r>
+          </a:p>
+          <a:p>
+            <a:pPr indent="-355600" lvl="0" marL="457200" rtl="0">
+              <a:spcBef>
+                <a:spcPts val="0"/>
+              </a:spcBef>
+              <a:buSzPct val="100000"/>
+              <a:buChar char="➔"/>
+            </a:pPr>
+            <a:r>
+              <a:rPr lang="en" sz="2000"/>
+              <a:t>Requirements changed as our abilities increased and we learned the capabilities of our tools.</a:t>
+            </a:r>
+          </a:p>
+          <a:p>
+            <a:pPr indent="-355600" lvl="0" marL="457200" rtl="0">
+              <a:spcBef>
+                <a:spcPts val="0"/>
+              </a:spcBef>
+              <a:buSzPct val="100000"/>
+              <a:buChar char="➔"/>
+            </a:pPr>
+            <a:r>
+              <a:rPr lang="en" sz="2000"/>
+              <a:t>We changed the project over time to adapt to the new requirements.</a:t>
+            </a:r>
+          </a:p>
+          <a:p>
+            <a:pPr indent="-355600" lvl="0" marL="457200" rtl="0">
+              <a:spcBef>
+                <a:spcPts val="0"/>
+              </a:spcBef>
+              <a:buSzPct val="100000"/>
+              <a:buChar char="➔"/>
+            </a:pPr>
+            <a:r>
+              <a:rPr lang="en" sz="2000"/>
+              <a:t>We had regular meetings and standups.</a:t>
+            </a:r>
+          </a:p>
+          <a:p>
+            <a:pPr indent="-355600" lvl="0" marL="457200" rtl="0">
+              <a:spcBef>
+                <a:spcPts val="0"/>
+              </a:spcBef>
+              <a:buSzPct val="100000"/>
+              <a:buChar char="➔"/>
+            </a:pPr>
+            <a:r>
+              <a:rPr lang="en" sz="2000"/>
+              <a:t>We implemented peer programming when possible.</a:t>
+            </a:r>
+          </a:p>
+          <a:p>
+            <a:pPr lvl="0" rtl="0">
+              <a:spcBef>
+                <a:spcPts val="0"/>
+              </a:spcBef>
+              <a:buNone/>
+            </a:pPr>
+            <a:r>
+              <a:rPr lang="en" sz="2000" u="sng"/>
+              <a:t>Ranking:</a:t>
+            </a:r>
+            <a:r>
+              <a:rPr lang="en" sz="2000"/>
+              <a:t> </a:t>
+            </a:r>
+            <a:r>
+              <a:rPr lang="en" sz="2000">
+                <a:solidFill>
+                  <a:srgbClr val="333333"/>
+                </a:solidFill>
+                <a:latin typeface="Arial"/>
+                <a:ea typeface="Arial"/>
+                <a:cs typeface="Arial"/>
+                <a:sym typeface="Arial"/>
+              </a:rPr>
+              <a:t>★★★★★ (We worked efficiently and communicated well)</a:t>
+            </a:r>
+          </a:p>
+          <a:p>
+            <a:pPr lvl="0">
+              <a:spcBef>
+                <a:spcPts val="0"/>
+              </a:spcBef>
+              <a:buClr>
+                <a:schemeClr val="dk1"/>
+              </a:buClr>
+              <a:buFont typeface="Arial"/>
+              <a:buNone/>
+            </a:pPr>
+            <a:r>
+              <a:t/>
+            </a:r>
+            <a:endParaRPr b="1" i="1" sz="2400"/>
+          </a:p>
+        </p:txBody>
+      </p:sp>
+    </p:spTree>
+  </p:cSld>
+  <p:clrMapOvr>
+    <a:masterClrMapping/>
+  </p:clrMapOvr>
+  <p:transition spd="slow">
+    <p:cut/>
+  </p:transition>
+</p:sld>
+</file>
+
+<file path=ppt/slides/slide16.xml><?xml version="1.0" encoding="utf-8"?>
+<p:sld xmlns:a="http://schemas.openxmlformats.org/drawingml/2006/main" xmlns:r="http://schemas.openxmlformats.org/officeDocument/2006/relationships" xmlns:mc="http://schemas.openxmlformats.org/markup-compatibility/2006" xmlns:mv="urn:schemas-microsoft-com:mac:vml" xmlns:p="http://schemas.openxmlformats.org/presentationml/2006/main" xmlns:c="http://schemas.openxmlformats.org/drawingml/2006/chart" xmlns:dgm="http://schemas.openxmlformats.org/drawingml/2006/diagram" xmlns:o="urn:schemas-microsoft-com:office:office" xmlns:v="urn:schemas-microsoft-com:vml" xmlns:pvml="urn:schemas-microsoft-com:office:powerpoint" xmlns:com="http://schemas.openxmlformats.org/drawingml/2006/compatibility" xmlns:p14="http://schemas.microsoft.com/office/powerpoint/2010/main">
+  <p:cSld>
+    <p:spTree>
+      <p:nvGrpSpPr>
+        <p:cNvPr id="166" name="Shape 166"/>
+        <p:cNvGrpSpPr/>
+        <p:nvPr/>
+      </p:nvGrpSpPr>
+      <p:grpSpPr>
+        <a:xfrm>
+          <a:off x="0" y="0"/>
+          <a:ext cx="0" cy="0"/>
+          <a:chOff x="0" y="0"/>
+          <a:chExt cx="0" cy="0"/>
+        </a:xfrm>
+      </p:grpSpPr>
+      <p:sp>
+        <p:nvSpPr>
+          <p:cNvPr id="167" name="Shape 167"/>
+          <p:cNvSpPr txBox="1"/>
+          <p:nvPr>
+            <p:ph type="title"/>
+          </p:nvPr>
+        </p:nvSpPr>
+        <p:spPr>
+          <a:xfrm>
+            <a:off x="311700" y="315925"/>
+            <a:ext cx="8520599" cy="831299"/>
+          </a:xfrm>
+          <a:prstGeom prst="rect">
+            <a:avLst/>
+          </a:prstGeom>
+        </p:spPr>
+        <p:txBody>
+          <a:bodyPr anchorCtr="0" anchor="b" bIns="91425" lIns="91425" rIns="91425" tIns="91425">
+            <a:noAutofit/>
+          </a:bodyPr>
+          <a:lstStyle/>
+          <a:p>
             <a:pPr>
               <a:spcBef>
                 <a:spcPts val="0"/>
@@ -7004,9 +7493,259 @@
               <a:buNone/>
             </a:pPr>
             <a:r>
-              <a:t/>
-            </a:r>
-            <a:endParaRPr/>
+              <a:rPr i="1" lang="en" u="sng"/>
+              <a:t>Challenges</a:t>
+            </a:r>
+          </a:p>
+        </p:txBody>
+      </p:sp>
+      <p:sp>
+        <p:nvSpPr>
+          <p:cNvPr id="168" name="Shape 168"/>
+          <p:cNvSpPr txBox="1"/>
+          <p:nvPr>
+            <p:ph idx="1" type="body"/>
+          </p:nvPr>
+        </p:nvSpPr>
+        <p:spPr>
+          <a:xfrm>
+            <a:off x="311700" y="1026850"/>
+            <a:ext cx="8520599" cy="3354000"/>
+          </a:xfrm>
+          <a:prstGeom prst="rect">
+            <a:avLst/>
+          </a:prstGeom>
+          <a:ln cap="flat" cmpd="sng" w="9525">
+            <a:solidFill>
+              <a:srgbClr val="FFFFFF"/>
+            </a:solidFill>
+            <a:prstDash val="solid"/>
+            <a:round/>
+            <a:headEnd len="med" w="med" type="none"/>
+            <a:tailEnd len="med" w="med" type="none"/>
+          </a:ln>
+        </p:spPr>
+        <p:txBody>
+          <a:bodyPr anchorCtr="0" anchor="t" bIns="91425" lIns="91425" rIns="91425" tIns="91425">
+            <a:noAutofit/>
+          </a:bodyPr>
+          <a:lstStyle/>
+          <a:p>
+            <a:pPr indent="-355600" lvl="0" marL="457200" rtl="0">
+              <a:lnSpc>
+                <a:spcPct val="115000"/>
+              </a:lnSpc>
+              <a:spcBef>
+                <a:spcPts val="0"/>
+              </a:spcBef>
+              <a:buSzPct val="100000"/>
+              <a:buChar char="➔"/>
+            </a:pPr>
+            <a:r>
+              <a:rPr lang="en" sz="2000"/>
+              <a:t>Inexperience</a:t>
+            </a:r>
+          </a:p>
+          <a:p>
+            <a:pPr indent="-355600" lvl="1" marL="914400" rtl="0">
+              <a:lnSpc>
+                <a:spcPct val="115000"/>
+              </a:lnSpc>
+              <a:spcBef>
+                <a:spcPts val="0"/>
+              </a:spcBef>
+              <a:buSzPct val="100000"/>
+              <a:buChar char="◆"/>
+            </a:pPr>
+            <a:r>
+              <a:rPr lang="en" sz="2000"/>
+              <a:t>We did not know how to set up a server</a:t>
+            </a:r>
+          </a:p>
+          <a:p>
+            <a:pPr indent="-355600" lvl="1" marL="914400" rtl="0">
+              <a:lnSpc>
+                <a:spcPct val="115000"/>
+              </a:lnSpc>
+              <a:spcBef>
+                <a:spcPts val="0"/>
+              </a:spcBef>
+              <a:buSzPct val="100000"/>
+              <a:buChar char="◆"/>
+            </a:pPr>
+            <a:r>
+              <a:rPr lang="en" sz="2000"/>
+              <a:t>We did not know how to use HTML, JavaScript, PHP, and CSS together</a:t>
+            </a:r>
+          </a:p>
+          <a:p>
+            <a:pPr indent="-355600" lvl="0" marL="457200" rtl="0">
+              <a:lnSpc>
+                <a:spcPct val="115000"/>
+              </a:lnSpc>
+              <a:spcBef>
+                <a:spcPts val="0"/>
+              </a:spcBef>
+              <a:buSzPct val="100000"/>
+              <a:buChar char="➔"/>
+            </a:pPr>
+            <a:r>
+              <a:rPr lang="en" sz="2000"/>
+              <a:t>Technology</a:t>
+            </a:r>
+          </a:p>
+          <a:p>
+            <a:pPr indent="-355600" lvl="1" marL="914400" rtl="0">
+              <a:lnSpc>
+                <a:spcPct val="115000"/>
+              </a:lnSpc>
+              <a:spcBef>
+                <a:spcPts val="0"/>
+              </a:spcBef>
+              <a:buSzPct val="100000"/>
+              <a:buChar char="◆"/>
+            </a:pPr>
+            <a:r>
+              <a:rPr lang="en" sz="2000"/>
+              <a:t>AWS was difficult to work with and the server would periodically go down for seemingly no reason</a:t>
+            </a:r>
+          </a:p>
+          <a:p>
+            <a:pPr indent="-355600" lvl="0" marL="457200" rtl="0">
+              <a:lnSpc>
+                <a:spcPct val="115000"/>
+              </a:lnSpc>
+              <a:spcBef>
+                <a:spcPts val="0"/>
+              </a:spcBef>
+              <a:buSzPct val="100000"/>
+              <a:buChar char="➔"/>
+            </a:pPr>
+            <a:r>
+              <a:rPr lang="en" sz="2000"/>
+              <a:t>Team Size</a:t>
+            </a:r>
+          </a:p>
+          <a:p>
+            <a:pPr indent="-355600" lvl="1" marL="914400" rtl="0">
+              <a:lnSpc>
+                <a:spcPct val="115000"/>
+              </a:lnSpc>
+              <a:spcBef>
+                <a:spcPts val="0"/>
+              </a:spcBef>
+              <a:buSzPct val="100000"/>
+              <a:buChar char="◆"/>
+            </a:pPr>
+            <a:r>
+              <a:rPr lang="en" sz="2000"/>
+              <a:t>We had an ambitious project, but not much manpower; we all have had to do a lot of work to get our project to a semi-complete stage</a:t>
+            </a:r>
+          </a:p>
+        </p:txBody>
+      </p:sp>
+    </p:spTree>
+  </p:cSld>
+  <p:clrMapOvr>
+    <a:masterClrMapping/>
+  </p:clrMapOvr>
+  <p:transition spd="slow">
+    <p:cut/>
+  </p:transition>
+</p:sld>
+</file>
+
+<file path=ppt/slides/slide17.xml><?xml version="1.0" encoding="utf-8"?>
+<p:sld xmlns:a="http://schemas.openxmlformats.org/drawingml/2006/main" xmlns:r="http://schemas.openxmlformats.org/officeDocument/2006/relationships" xmlns:mc="http://schemas.openxmlformats.org/markup-compatibility/2006" xmlns:mv="urn:schemas-microsoft-com:mac:vml" xmlns:p="http://schemas.openxmlformats.org/presentationml/2006/main" xmlns:c="http://schemas.openxmlformats.org/drawingml/2006/chart" xmlns:dgm="http://schemas.openxmlformats.org/drawingml/2006/diagram" xmlns:o="urn:schemas-microsoft-com:office:office" xmlns:v="urn:schemas-microsoft-com:vml" xmlns:pvml="urn:schemas-microsoft-com:office:powerpoint" xmlns:com="http://schemas.openxmlformats.org/drawingml/2006/compatibility" xmlns:p14="http://schemas.microsoft.com/office/powerpoint/2010/main">
+  <p:cSld>
+    <p:spTree>
+      <p:nvGrpSpPr>
+        <p:cNvPr id="172" name="Shape 172"/>
+        <p:cNvGrpSpPr/>
+        <p:nvPr/>
+      </p:nvGrpSpPr>
+      <p:grpSpPr>
+        <a:xfrm>
+          <a:off x="0" y="0"/>
+          <a:ext cx="0" cy="0"/>
+          <a:chOff x="0" y="0"/>
+          <a:chExt cx="0" cy="0"/>
+        </a:xfrm>
+      </p:grpSpPr>
+      <p:sp>
+        <p:nvSpPr>
+          <p:cNvPr id="173" name="Shape 173"/>
+          <p:cNvSpPr txBox="1"/>
+          <p:nvPr>
+            <p:ph type="title"/>
+          </p:nvPr>
+        </p:nvSpPr>
+        <p:spPr>
+          <a:xfrm>
+            <a:off x="311700" y="315925"/>
+            <a:ext cx="8520599" cy="831299"/>
+          </a:xfrm>
+          <a:prstGeom prst="rect">
+            <a:avLst/>
+          </a:prstGeom>
+        </p:spPr>
+        <p:txBody>
+          <a:bodyPr anchorCtr="0" anchor="b" bIns="91425" lIns="91425" rIns="91425" tIns="91425">
+            <a:noAutofit/>
+          </a:bodyPr>
+          <a:lstStyle/>
+          <a:p>
+            <a:pPr>
+              <a:spcBef>
+                <a:spcPts val="0"/>
+              </a:spcBef>
+              <a:buNone/>
+            </a:pPr>
+            <a:r>
+              <a:rPr lang="en"/>
+              <a:t>Demo</a:t>
+            </a:r>
+          </a:p>
+        </p:txBody>
+      </p:sp>
+      <p:sp>
+        <p:nvSpPr>
+          <p:cNvPr id="174" name="Shape 174"/>
+          <p:cNvSpPr txBox="1"/>
+          <p:nvPr>
+            <p:ph idx="1" type="body"/>
+          </p:nvPr>
+        </p:nvSpPr>
+        <p:spPr>
+          <a:xfrm>
+            <a:off x="311700" y="1225225"/>
+            <a:ext cx="8520599" cy="3354000"/>
+          </a:xfrm>
+          <a:prstGeom prst="rect">
+            <a:avLst/>
+          </a:prstGeom>
+        </p:spPr>
+        <p:txBody>
+          <a:bodyPr anchorCtr="0" anchor="t" bIns="91425" lIns="91425" rIns="91425" tIns="91425">
+            <a:noAutofit/>
+          </a:bodyPr>
+          <a:lstStyle/>
+          <a:p>
+            <a:pPr lvl="0" rtl="0">
+              <a:spcBef>
+                <a:spcPts val="0"/>
+              </a:spcBef>
+              <a:buNone/>
+            </a:pPr>
+            <a:r>
+              <a:rPr lang="en" u="sng">
+                <a:solidFill>
+                  <a:schemeClr val="hlink"/>
+                </a:solidFill>
+                <a:hlinkClick r:id="rId3"/>
+              </a:rPr>
+              <a:t>http://buybackrevolution.com/</a:t>
+            </a:r>
           </a:p>
         </p:txBody>
       </p:sp>
@@ -7061,7 +7800,7 @@
           </a:bodyPr>
           <a:lstStyle/>
           <a:p>
-            <a:pPr>
+            <a:pPr lvl="0" rtl="0">
               <a:spcBef>
                 <a:spcPts val="0"/>
               </a:spcBef>
@@ -7069,7 +7808,7 @@
             </a:pPr>
             <a:r>
               <a:rPr lang="en" u="sng"/>
-              <a:t>Tools Used (A Brief Overview)</a:t>
+              <a:t>What is BBR?</a:t>
             </a:r>
           </a:p>
         </p:txBody>
@@ -7085,7 +7824,7 @@
         <p:spPr>
           <a:xfrm>
             <a:off x="311700" y="1225225"/>
-            <a:ext cx="4284600" cy="3354000"/>
+            <a:ext cx="5897400" cy="3354000"/>
           </a:xfrm>
           <a:prstGeom prst="rect">
             <a:avLst/>
@@ -7108,7 +7847,7 @@
             </a:pPr>
             <a:r>
               <a:rPr lang="en"/>
-              <a:t>GitHub</a:t>
+              <a:t>buybackrevolution.com</a:t>
             </a:r>
           </a:p>
           <a:p>
@@ -7123,7 +7862,7 @@
             </a:pPr>
             <a:r>
               <a:rPr lang="en"/>
-              <a:t>Trello</a:t>
+              <a:t>Website that gives customers pricing info on used and damaged phones</a:t>
             </a:r>
           </a:p>
           <a:p>
@@ -7138,82 +7877,7 @@
             </a:pPr>
             <a:r>
               <a:rPr lang="en"/>
-              <a:t>Slack</a:t>
-            </a:r>
-          </a:p>
-          <a:p>
-            <a:pPr indent="-228600" lvl="0" marL="457200" rtl="0">
-              <a:lnSpc>
-                <a:spcPct val="150000"/>
-              </a:lnSpc>
-              <a:spcBef>
-                <a:spcPts val="0"/>
-              </a:spcBef>
-              <a:buChar char="➔"/>
-            </a:pPr>
-            <a:r>
-              <a:rPr lang="en"/>
-              <a:t>Amazon Web Services</a:t>
-            </a:r>
-          </a:p>
-          <a:p>
-            <a:pPr indent="-228600" lvl="0" marL="457200" rtl="0">
-              <a:lnSpc>
-                <a:spcPct val="150000"/>
-              </a:lnSpc>
-              <a:spcBef>
-                <a:spcPts val="0"/>
-              </a:spcBef>
-              <a:buChar char="➔"/>
-            </a:pPr>
-            <a:r>
-              <a:rPr lang="en"/>
-              <a:t>GoDaddy</a:t>
-            </a:r>
-          </a:p>
-          <a:p>
-            <a:pPr indent="-228600" lvl="0" marL="457200" rtl="0">
-              <a:lnSpc>
-                <a:spcPct val="150000"/>
-              </a:lnSpc>
-              <a:spcBef>
-                <a:spcPts val="0"/>
-              </a:spcBef>
-              <a:buChar char="➔"/>
-            </a:pPr>
-            <a:r>
-              <a:rPr lang="en"/>
-              <a:t>MySQL</a:t>
-            </a:r>
-          </a:p>
-          <a:p>
-            <a:pPr indent="-228600" lvl="0" marL="457200" rtl="0">
-              <a:lnSpc>
-                <a:spcPct val="150000"/>
-              </a:lnSpc>
-              <a:spcBef>
-                <a:spcPts val="0"/>
-              </a:spcBef>
-              <a:buChar char="➔"/>
-            </a:pPr>
-            <a:r>
-              <a:rPr lang="en"/>
-              <a:t>Beautiful Soup</a:t>
-            </a:r>
-          </a:p>
-          <a:p>
-            <a:pPr indent="-228600" lvl="0" marL="457200" rtl="0">
-              <a:lnSpc>
-                <a:spcPct val="150000"/>
-              </a:lnSpc>
-              <a:spcBef>
-                <a:spcPts val="0"/>
-              </a:spcBef>
-              <a:buChar char="➔"/>
-            </a:pPr>
-            <a:r>
-              <a:rPr lang="en"/>
-              <a:t>Selenium</a:t>
+              <a:t>Ask users info about their phone and give them a quote from BBR and competitors</a:t>
             </a:r>
           </a:p>
           <a:p>
@@ -7230,280 +7894,6 @@
               <a:t/>
             </a:r>
             <a:endParaRPr/>
-          </a:p>
-        </p:txBody>
-      </p:sp>
-      <p:sp>
-        <p:nvSpPr>
-          <p:cNvPr id="69" name="Shape 69"/>
-          <p:cNvSpPr txBox="1"/>
-          <p:nvPr/>
-        </p:nvSpPr>
-        <p:spPr>
-          <a:xfrm>
-            <a:off x="4913800" y="1211175"/>
-            <a:ext cx="3358200" cy="3354000"/>
-          </a:xfrm>
-          <a:prstGeom prst="rect">
-            <a:avLst/>
-          </a:prstGeom>
-          <a:noFill/>
-          <a:ln>
-            <a:noFill/>
-          </a:ln>
-        </p:spPr>
-        <p:txBody>
-          <a:bodyPr anchorCtr="0" anchor="t" bIns="91425" lIns="91425" rIns="91425" tIns="91425">
-            <a:noAutofit/>
-          </a:bodyPr>
-          <a:lstStyle/>
-          <a:p>
-            <a:pPr indent="-342900" lvl="0" marL="457200" rtl="0">
-              <a:lnSpc>
-                <a:spcPct val="150000"/>
-              </a:lnSpc>
-              <a:spcBef>
-                <a:spcPts val="0"/>
-              </a:spcBef>
-              <a:spcAft>
-                <a:spcPts val="1600"/>
-              </a:spcAft>
-              <a:buClr>
-                <a:schemeClr val="dk1"/>
-              </a:buClr>
-              <a:buSzPct val="100000"/>
-              <a:buFont typeface="Open Sans"/>
-              <a:buChar char="➔"/>
-            </a:pPr>
-            <a:r>
-              <a:rPr lang="en" sz="1800">
-                <a:solidFill>
-                  <a:schemeClr val="dk1"/>
-                </a:solidFill>
-                <a:latin typeface="Open Sans"/>
-                <a:ea typeface="Open Sans"/>
-                <a:cs typeface="Open Sans"/>
-                <a:sym typeface="Open Sans"/>
-              </a:rPr>
-              <a:t>PyVirtualDisplay</a:t>
-            </a:r>
-          </a:p>
-          <a:p>
-            <a:pPr indent="-342900" lvl="0" marL="457200" rtl="0">
-              <a:lnSpc>
-                <a:spcPct val="150000"/>
-              </a:lnSpc>
-              <a:spcBef>
-                <a:spcPts val="0"/>
-              </a:spcBef>
-              <a:spcAft>
-                <a:spcPts val="1600"/>
-              </a:spcAft>
-              <a:buClr>
-                <a:schemeClr val="dk1"/>
-              </a:buClr>
-              <a:buSzPct val="100000"/>
-              <a:buFont typeface="Open Sans"/>
-              <a:buChar char="➔"/>
-            </a:pPr>
-            <a:r>
-              <a:rPr lang="en" sz="1800">
-                <a:solidFill>
-                  <a:schemeClr val="dk1"/>
-                </a:solidFill>
-                <a:latin typeface="Open Sans"/>
-                <a:ea typeface="Open Sans"/>
-                <a:cs typeface="Open Sans"/>
-                <a:sym typeface="Open Sans"/>
-              </a:rPr>
-              <a:t>Python-MySQLDB</a:t>
-            </a:r>
-          </a:p>
-          <a:p>
-            <a:pPr indent="-342900" lvl="0" marL="457200" rtl="0">
-              <a:lnSpc>
-                <a:spcPct val="150000"/>
-              </a:lnSpc>
-              <a:spcBef>
-                <a:spcPts val="0"/>
-              </a:spcBef>
-              <a:spcAft>
-                <a:spcPts val="1600"/>
-              </a:spcAft>
-              <a:buClr>
-                <a:schemeClr val="dk1"/>
-              </a:buClr>
-              <a:buSzPct val="100000"/>
-              <a:buFont typeface="Open Sans"/>
-              <a:buChar char="➔"/>
-            </a:pPr>
-            <a:r>
-              <a:rPr lang="en" sz="1800">
-                <a:solidFill>
-                  <a:schemeClr val="dk1"/>
-                </a:solidFill>
-                <a:latin typeface="Open Sans"/>
-                <a:ea typeface="Open Sans"/>
-                <a:cs typeface="Open Sans"/>
-                <a:sym typeface="Open Sans"/>
-              </a:rPr>
-              <a:t>Vim</a:t>
-            </a:r>
-          </a:p>
-          <a:p>
-            <a:pPr indent="-342900" lvl="0" marL="457200" rtl="0">
-              <a:lnSpc>
-                <a:spcPct val="150000"/>
-              </a:lnSpc>
-              <a:spcBef>
-                <a:spcPts val="0"/>
-              </a:spcBef>
-              <a:spcAft>
-                <a:spcPts val="1600"/>
-              </a:spcAft>
-              <a:buClr>
-                <a:schemeClr val="dk1"/>
-              </a:buClr>
-              <a:buSzPct val="100000"/>
-              <a:buFont typeface="Open Sans"/>
-              <a:buChar char="➔"/>
-            </a:pPr>
-            <a:r>
-              <a:rPr lang="en" sz="1800">
-                <a:solidFill>
-                  <a:schemeClr val="dk1"/>
-                </a:solidFill>
-                <a:latin typeface="Open Sans"/>
-                <a:ea typeface="Open Sans"/>
-                <a:cs typeface="Open Sans"/>
-                <a:sym typeface="Open Sans"/>
-              </a:rPr>
-              <a:t>Sublime</a:t>
-            </a:r>
-          </a:p>
-          <a:p>
-            <a:pPr indent="-342900" lvl="0" marL="457200" rtl="0">
-              <a:lnSpc>
-                <a:spcPct val="150000"/>
-              </a:lnSpc>
-              <a:spcBef>
-                <a:spcPts val="0"/>
-              </a:spcBef>
-              <a:spcAft>
-                <a:spcPts val="1600"/>
-              </a:spcAft>
-              <a:buClr>
-                <a:schemeClr val="dk1"/>
-              </a:buClr>
-              <a:buSzPct val="100000"/>
-              <a:buFont typeface="Open Sans"/>
-              <a:buChar char="➔"/>
-            </a:pPr>
-            <a:r>
-              <a:rPr lang="en" sz="1800">
-                <a:solidFill>
-                  <a:schemeClr val="dk1"/>
-                </a:solidFill>
-                <a:latin typeface="Open Sans"/>
-                <a:ea typeface="Open Sans"/>
-                <a:cs typeface="Open Sans"/>
-                <a:sym typeface="Open Sans"/>
-              </a:rPr>
-              <a:t>Geany</a:t>
-            </a:r>
-          </a:p>
-          <a:p>
-            <a:pPr indent="-342900" lvl="0" marL="457200" rtl="0">
-              <a:lnSpc>
-                <a:spcPct val="150000"/>
-              </a:lnSpc>
-              <a:spcBef>
-                <a:spcPts val="0"/>
-              </a:spcBef>
-              <a:spcAft>
-                <a:spcPts val="1600"/>
-              </a:spcAft>
-              <a:buClr>
-                <a:schemeClr val="dk1"/>
-              </a:buClr>
-              <a:buSzPct val="100000"/>
-              <a:buFont typeface="Open Sans"/>
-              <a:buChar char="➔"/>
-            </a:pPr>
-            <a:r>
-              <a:rPr lang="en" sz="1800">
-                <a:solidFill>
-                  <a:schemeClr val="dk1"/>
-                </a:solidFill>
-                <a:latin typeface="Open Sans"/>
-                <a:ea typeface="Open Sans"/>
-                <a:cs typeface="Open Sans"/>
-                <a:sym typeface="Open Sans"/>
-              </a:rPr>
-              <a:t>Python UnitTest</a:t>
-            </a:r>
-          </a:p>
-          <a:p>
-            <a:pPr indent="-342900" lvl="0" marL="457200" rtl="0">
-              <a:lnSpc>
-                <a:spcPct val="150000"/>
-              </a:lnSpc>
-              <a:spcBef>
-                <a:spcPts val="0"/>
-              </a:spcBef>
-              <a:spcAft>
-                <a:spcPts val="1600"/>
-              </a:spcAft>
-              <a:buClr>
-                <a:schemeClr val="dk1"/>
-              </a:buClr>
-              <a:buSzPct val="100000"/>
-              <a:buFont typeface="Open Sans"/>
-              <a:buChar char="➔"/>
-            </a:pPr>
-            <a:r>
-              <a:rPr lang="en" sz="1800">
-                <a:solidFill>
-                  <a:schemeClr val="dk1"/>
-                </a:solidFill>
-                <a:latin typeface="Open Sans"/>
-                <a:ea typeface="Open Sans"/>
-                <a:cs typeface="Open Sans"/>
-                <a:sym typeface="Open Sans"/>
-              </a:rPr>
-              <a:t>PyDoc</a:t>
-            </a:r>
-          </a:p>
-          <a:p>
-            <a:pPr indent="-342900" lvl="0" marL="457200" rtl="0">
-              <a:lnSpc>
-                <a:spcPct val="150000"/>
-              </a:lnSpc>
-              <a:spcBef>
-                <a:spcPts val="0"/>
-              </a:spcBef>
-              <a:spcAft>
-                <a:spcPts val="1600"/>
-              </a:spcAft>
-              <a:buClr>
-                <a:schemeClr val="dk1"/>
-              </a:buClr>
-              <a:buSzPct val="100000"/>
-              <a:buFont typeface="Open Sans"/>
-              <a:buChar char="➔"/>
-            </a:pPr>
-            <a:r>
-              <a:rPr lang="en" sz="1800">
-                <a:solidFill>
-                  <a:schemeClr val="dk1"/>
-                </a:solidFill>
-                <a:latin typeface="Open Sans"/>
-                <a:ea typeface="Open Sans"/>
-                <a:cs typeface="Open Sans"/>
-                <a:sym typeface="Open Sans"/>
-              </a:rPr>
-              <a:t>Agile (3-person Version)</a:t>
-            </a:r>
           </a:p>
         </p:txBody>
       </p:sp>
@@ -7523,7 +7913,7 @@
   <p:cSld>
     <p:spTree>
       <p:nvGrpSpPr>
-        <p:cNvPr id="73" name="Shape 73"/>
+        <p:cNvPr id="72" name="Shape 72"/>
         <p:cNvGrpSpPr/>
         <p:nvPr/>
       </p:nvGrpSpPr>
@@ -7537,7 +7927,7 @@
       </p:grpSpPr>
       <p:sp>
         <p:nvSpPr>
-          <p:cNvPr id="74" name="Shape 74"/>
+          <p:cNvPr id="73" name="Shape 73"/>
           <p:cNvSpPr txBox="1"/>
           <p:nvPr>
             <p:ph type="title"/>
@@ -7558,7 +7948,7 @@
           </a:bodyPr>
           <a:lstStyle/>
           <a:p>
-            <a:pPr>
+            <a:pPr lvl="0" rtl="0">
               <a:spcBef>
                 <a:spcPts val="0"/>
               </a:spcBef>
@@ -7566,14 +7956,14 @@
             </a:pPr>
             <a:r>
               <a:rPr lang="en" u="sng"/>
-              <a:t>Version Control</a:t>
+              <a:t>How Does it Work?</a:t>
             </a:r>
           </a:p>
         </p:txBody>
       </p:sp>
       <p:sp>
         <p:nvSpPr>
-          <p:cNvPr id="75" name="Shape 75"/>
+          <p:cNvPr id="74" name="Shape 74"/>
           <p:cNvSpPr txBox="1"/>
           <p:nvPr>
             <p:ph idx="1" type="body"/>
@@ -7582,7 +7972,7 @@
         <p:spPr>
           <a:xfrm>
             <a:off x="311700" y="1225225"/>
-            <a:ext cx="8520599" cy="3354000"/>
+            <a:ext cx="5897400" cy="3354000"/>
           </a:xfrm>
           <a:prstGeom prst="rect">
             <a:avLst/>
@@ -7594,19 +7984,10 @@
           </a:bodyPr>
           <a:lstStyle/>
           <a:p>
-            <a:pPr rtl="0">
-              <a:spcBef>
-                <a:spcPts val="0"/>
-              </a:spcBef>
-              <a:buNone/>
-            </a:pPr>
-            <a:r>
-              <a:rPr b="1" i="1" lang="en" sz="2400"/>
-              <a:t>GitHub</a:t>
-            </a:r>
-          </a:p>
-          <a:p>
             <a:pPr indent="-228600" lvl="0" marL="457200" rtl="0">
+              <a:lnSpc>
+                <a:spcPct val="150000"/>
+              </a:lnSpc>
               <a:spcBef>
                 <a:spcPts val="0"/>
               </a:spcBef>
@@ -7614,70 +7995,71 @@
             </a:pPr>
             <a:r>
               <a:rPr lang="en"/>
-              <a:t>Used to store and track software update. </a:t>
-            </a:r>
-          </a:p>
-          <a:p>
-            <a:pPr indent="0" marL="0">
-              <a:spcBef>
-                <a:spcPts val="0"/>
-              </a:spcBef>
-              <a:buNone/>
-            </a:pPr>
-            <a:r>
-              <a:rPr lang="en" u="sng"/>
-              <a:t>Ranking:</a:t>
-            </a:r>
+              <a:t>Website developed from HTML, PHP, JavaScript, Python, and CSS files.</a:t>
+            </a:r>
+          </a:p>
+          <a:p>
+            <a:pPr indent="-228600" lvl="0" marL="457200" rtl="0">
+              <a:lnSpc>
+                <a:spcPct val="150000"/>
+              </a:lnSpc>
+              <a:spcBef>
+                <a:spcPts val="0"/>
+              </a:spcBef>
+              <a:buChar char="➔"/>
+            </a:pPr>
             <a:r>
               <a:rPr lang="en"/>
-              <a:t>  </a:t>
-            </a:r>
-            <a:r>
-              <a:rPr lang="en">
-                <a:solidFill>
-                  <a:srgbClr val="333333"/>
-                </a:solidFill>
-                <a:highlight>
-                  <a:srgbClr val="FFFFFF"/>
-                </a:highlight>
-                <a:latin typeface="Arial"/>
-                <a:ea typeface="Arial"/>
-                <a:cs typeface="Arial"/>
-                <a:sym typeface="Arial"/>
-              </a:rPr>
-              <a:t>★★★★★ (Easy to use, everyone was on the same page and 	                                      working on the same code)</a:t>
-            </a:r>
+              <a:t>Competitor information is scraped from competitor websites using Python</a:t>
+            </a:r>
+          </a:p>
+          <a:p>
+            <a:pPr indent="-228600" lvl="0" marL="457200" rtl="0">
+              <a:lnSpc>
+                <a:spcPct val="150000"/>
+              </a:lnSpc>
+              <a:spcBef>
+                <a:spcPts val="0"/>
+              </a:spcBef>
+              <a:buChar char="➔"/>
+            </a:pPr>
+            <a:r>
+              <a:rPr lang="en"/>
+              <a:t>Prices are stored in a MySQL database</a:t>
+            </a:r>
+          </a:p>
+          <a:p>
+            <a:pPr indent="-228600" lvl="0" marL="457200" rtl="0">
+              <a:lnSpc>
+                <a:spcPct val="150000"/>
+              </a:lnSpc>
+              <a:spcBef>
+                <a:spcPts val="0"/>
+              </a:spcBef>
+              <a:buChar char="➔"/>
+            </a:pPr>
+            <a:r>
+              <a:rPr lang="en"/>
+              <a:t>Everything runs on an Amazon Web Server</a:t>
+            </a:r>
+          </a:p>
+          <a:p>
+            <a:pPr lvl="0" rtl="0">
+              <a:lnSpc>
+                <a:spcPct val="150000"/>
+              </a:lnSpc>
+              <a:spcBef>
+                <a:spcPts val="0"/>
+              </a:spcBef>
+              <a:buNone/>
+            </a:pPr>
+            <a:r>
+              <a:t/>
+            </a:r>
+            <a:endParaRPr/>
           </a:p>
         </p:txBody>
       </p:sp>
-      <p:pic>
-        <p:nvPicPr>
-          <p:cNvPr id="76" name="Shape 76"/>
-          <p:cNvPicPr preferRelativeResize="0"/>
-          <p:nvPr/>
-        </p:nvPicPr>
-        <p:blipFill>
-          <a:blip r:embed="rId3">
-            <a:alphaModFix/>
-          </a:blip>
-          <a:stretch>
-            <a:fillRect/>
-          </a:stretch>
-        </p:blipFill>
-        <p:spPr>
-          <a:xfrm>
-            <a:off x="6775250" y="200600"/>
-            <a:ext cx="2057049" cy="2057049"/>
-          </a:xfrm>
-          <a:prstGeom prst="rect">
-            <a:avLst/>
-          </a:prstGeom>
-          <a:noFill/>
-          <a:ln>
-            <a:noFill/>
-          </a:ln>
-        </p:spPr>
-      </p:pic>
     </p:spTree>
   </p:cSld>
   <p:clrMapOvr>
@@ -7694,7 +8076,7 @@
   <p:cSld>
     <p:spTree>
       <p:nvGrpSpPr>
-        <p:cNvPr id="80" name="Shape 80"/>
+        <p:cNvPr id="78" name="Shape 78"/>
         <p:cNvGrpSpPr/>
         <p:nvPr/>
       </p:nvGrpSpPr>
@@ -7708,7 +8090,7 @@
       </p:grpSpPr>
       <p:sp>
         <p:nvSpPr>
-          <p:cNvPr id="81" name="Shape 81"/>
+          <p:cNvPr id="79" name="Shape 79"/>
           <p:cNvSpPr txBox="1"/>
           <p:nvPr>
             <p:ph type="title"/>
@@ -7737,14 +8119,14 @@
             </a:pPr>
             <a:r>
               <a:rPr lang="en" u="sng"/>
-              <a:t>Communication</a:t>
+              <a:t>Tools Used (A Brief Overview)</a:t>
             </a:r>
           </a:p>
         </p:txBody>
       </p:sp>
       <p:sp>
         <p:nvSpPr>
-          <p:cNvPr id="82" name="Shape 82"/>
+          <p:cNvPr id="80" name="Shape 80"/>
           <p:cNvSpPr txBox="1"/>
           <p:nvPr>
             <p:ph idx="1" type="body"/>
@@ -7753,7 +8135,7 @@
         <p:spPr>
           <a:xfrm>
             <a:off x="311700" y="1225225"/>
-            <a:ext cx="8520599" cy="3354000"/>
+            <a:ext cx="4284600" cy="3354000"/>
           </a:xfrm>
           <a:prstGeom prst="rect">
             <a:avLst/>
@@ -7765,40 +8147,129 @@
           </a:bodyPr>
           <a:lstStyle/>
           <a:p>
-            <a:pPr rtl="0">
+            <a:pPr indent="-228600" lvl="0" marL="457200" rtl="0">
               <a:lnSpc>
-                <a:spcPct val="100000"/>
+                <a:spcPct val="150000"/>
               </a:lnSpc>
               <a:spcBef>
                 <a:spcPts val="0"/>
               </a:spcBef>
-              <a:buNone/>
-            </a:pPr>
-            <a:r>
-              <a:rPr b="1" i="1" lang="en" sz="2400"/>
+              <a:buChar char="➔"/>
+            </a:pPr>
+            <a:r>
+              <a:rPr lang="en"/>
+              <a:t>GitHub</a:t>
+            </a:r>
+          </a:p>
+          <a:p>
+            <a:pPr indent="-228600" lvl="0" marL="457200" rtl="0">
+              <a:lnSpc>
+                <a:spcPct val="150000"/>
+              </a:lnSpc>
+              <a:spcBef>
+                <a:spcPts val="0"/>
+              </a:spcBef>
+              <a:buChar char="➔"/>
+            </a:pPr>
+            <a:r>
+              <a:rPr lang="en"/>
               <a:t>Trello</a:t>
             </a:r>
           </a:p>
           <a:p>
-            <a:pPr indent="-355600" lvl="0" marL="457200" rtl="0">
+            <a:pPr indent="-228600" lvl="0" marL="457200" rtl="0">
               <a:lnSpc>
-                <a:spcPct val="100000"/>
+                <a:spcPct val="150000"/>
               </a:lnSpc>
               <a:spcBef>
                 <a:spcPts val="0"/>
               </a:spcBef>
-              <a:buSzPct val="100000"/>
               <a:buChar char="➔"/>
             </a:pPr>
             <a:r>
-              <a:rPr lang="en" sz="2000"/>
-              <a:t>Used to track project progress and establish reasonable production goals.</a:t>
+              <a:rPr lang="en"/>
+              <a:t>Slack</a:t>
+            </a:r>
+          </a:p>
+          <a:p>
+            <a:pPr indent="-228600" lvl="0" marL="457200" rtl="0">
+              <a:lnSpc>
+                <a:spcPct val="150000"/>
+              </a:lnSpc>
+              <a:spcBef>
+                <a:spcPts val="0"/>
+              </a:spcBef>
+              <a:buChar char="➔"/>
+            </a:pPr>
+            <a:r>
+              <a:rPr lang="en"/>
+              <a:t>Amazon Web Services</a:t>
+            </a:r>
+          </a:p>
+          <a:p>
+            <a:pPr indent="-228600" lvl="0" marL="457200" rtl="0">
+              <a:lnSpc>
+                <a:spcPct val="150000"/>
+              </a:lnSpc>
+              <a:spcBef>
+                <a:spcPts val="0"/>
+              </a:spcBef>
+              <a:buChar char="➔"/>
+            </a:pPr>
+            <a:r>
+              <a:rPr lang="en"/>
+              <a:t>GoDaddy</a:t>
+            </a:r>
+          </a:p>
+          <a:p>
+            <a:pPr indent="-228600" lvl="0" marL="457200" rtl="0">
+              <a:lnSpc>
+                <a:spcPct val="150000"/>
+              </a:lnSpc>
+              <a:spcBef>
+                <a:spcPts val="0"/>
+              </a:spcBef>
+              <a:buChar char="➔"/>
+            </a:pPr>
+            <a:r>
+              <a:rPr lang="en"/>
+              <a:t>MySQL</a:t>
+            </a:r>
+          </a:p>
+          <a:p>
+            <a:pPr indent="-228600" lvl="0" marL="457200" rtl="0">
+              <a:lnSpc>
+                <a:spcPct val="150000"/>
+              </a:lnSpc>
+              <a:spcBef>
+                <a:spcPts val="0"/>
+              </a:spcBef>
+              <a:buChar char="➔"/>
+            </a:pPr>
+            <a:r>
+              <a:rPr lang="en"/>
+              <a:t>Beautiful Soup</a:t>
+            </a:r>
+          </a:p>
+          <a:p>
+            <a:pPr indent="-228600" lvl="0" marL="457200" rtl="0">
+              <a:lnSpc>
+                <a:spcPct val="150000"/>
+              </a:lnSpc>
+              <a:spcBef>
+                <a:spcPts val="0"/>
+              </a:spcBef>
+              <a:buChar char="➔"/>
+            </a:pPr>
+            <a:r>
+              <a:rPr lang="en"/>
+              <a:t>Selenium</a:t>
             </a:r>
           </a:p>
           <a:p>
             <a:pPr lvl="0" rtl="0">
               <a:lnSpc>
-                <a:spcPct val="100000"/>
+                <a:spcPct val="150000"/>
               </a:lnSpc>
               <a:spcBef>
                 <a:spcPts val="0"/>
@@ -7806,114 +8277,22 @@
               <a:buNone/>
             </a:pPr>
             <a:r>
-              <a:rPr lang="en" sz="2000" u="sng"/>
-              <a:t>Ranking:</a:t>
-            </a:r>
-            <a:r>
-              <a:rPr lang="en" sz="2000"/>
-              <a:t> </a:t>
-            </a:r>
-            <a:r>
-              <a:rPr lang="en" sz="2000">
-                <a:solidFill>
-                  <a:srgbClr val="333333"/>
-                </a:solidFill>
-                <a:highlight>
-                  <a:srgbClr val="FFFFFF"/>
-                </a:highlight>
-                <a:latin typeface="Arial"/>
-                <a:ea typeface="Arial"/>
-                <a:cs typeface="Arial"/>
-                <a:sym typeface="Arial"/>
-              </a:rPr>
-              <a:t>★★★★ (Difficult to figure out, at first)</a:t>
-            </a:r>
-          </a:p>
-          <a:p>
-            <a:pPr rtl="0">
-              <a:lnSpc>
-                <a:spcPct val="100000"/>
-              </a:lnSpc>
-              <a:spcBef>
-                <a:spcPts val="0"/>
-              </a:spcBef>
-              <a:buNone/>
-            </a:pPr>
-            <a:r>
-              <a:rPr b="1" i="1" lang="en" sz="2400"/>
-              <a:t>Slack</a:t>
-            </a:r>
-          </a:p>
-          <a:p>
-            <a:pPr indent="-355600" lvl="0" marL="457200" rtl="0">
-              <a:lnSpc>
-                <a:spcPct val="100000"/>
-              </a:lnSpc>
-              <a:spcBef>
-                <a:spcPts val="0"/>
-              </a:spcBef>
-              <a:buSzPct val="100000"/>
-              <a:buChar char="➔"/>
-            </a:pPr>
-            <a:r>
-              <a:rPr lang="en" sz="2000"/>
-              <a:t>Used to set up meeting times and share tutorial and helpful links.</a:t>
-            </a:r>
-          </a:p>
-          <a:p>
-            <a:pPr>
-              <a:lnSpc>
-                <a:spcPct val="100000"/>
-              </a:lnSpc>
-              <a:spcBef>
-                <a:spcPts val="0"/>
-              </a:spcBef>
-              <a:buNone/>
-            </a:pPr>
-            <a:r>
-              <a:rPr lang="en" sz="2000" u="sng"/>
-              <a:t>Ranking:</a:t>
-            </a:r>
-            <a:r>
-              <a:rPr lang="en" sz="2000"/>
-              <a:t> </a:t>
-            </a:r>
-            <a:r>
-              <a:rPr lang="en" sz="2000">
-                <a:solidFill>
-                  <a:srgbClr val="333333"/>
-                </a:solidFill>
-                <a:highlight>
-                  <a:srgbClr val="FFFFFF"/>
-                </a:highlight>
-                <a:latin typeface="Arial"/>
-                <a:ea typeface="Arial"/>
-                <a:cs typeface="Arial"/>
-                <a:sym typeface="Arial"/>
-              </a:rPr>
-              <a:t>★★★★ (Helpful for quick communication, doesn’t always notify)</a:t>
-            </a:r>
+              <a:t/>
+            </a:r>
+            <a:endParaRPr/>
           </a:p>
         </p:txBody>
       </p:sp>
-      <p:pic>
-        <p:nvPicPr>
-          <p:cNvPr id="83" name="Shape 83"/>
-          <p:cNvPicPr preferRelativeResize="0"/>
+      <p:sp>
+        <p:nvSpPr>
+          <p:cNvPr id="81" name="Shape 81"/>
+          <p:cNvSpPr txBox="1"/>
           <p:nvPr/>
-        </p:nvPicPr>
-        <p:blipFill>
-          <a:blip r:embed="rId3">
-            <a:alphaModFix/>
-          </a:blip>
-          <a:stretch>
-            <a:fillRect/>
-          </a:stretch>
-        </p:blipFill>
-        <p:spPr>
-          <a:xfrm>
-            <a:off x="7605175" y="2587575"/>
-            <a:ext cx="1126673" cy="1126673"/>
+        </p:nvSpPr>
+        <p:spPr>
+          <a:xfrm>
+            <a:off x="4913800" y="1211175"/>
+            <a:ext cx="3358200" cy="3354000"/>
           </a:xfrm>
           <a:prstGeom prst="rect">
             <a:avLst/>
@@ -7923,35 +8302,261 @@
             <a:noFill/>
           </a:ln>
         </p:spPr>
-      </p:pic>
-      <p:pic>
-        <p:nvPicPr>
-          <p:cNvPr id="84" name="Shape 84"/>
-          <p:cNvPicPr preferRelativeResize="0"/>
-          <p:nvPr/>
-        </p:nvPicPr>
-        <p:blipFill>
-          <a:blip r:embed="rId4">
-            <a:alphaModFix/>
-          </a:blip>
-          <a:stretch>
-            <a:fillRect/>
-          </a:stretch>
-        </p:blipFill>
-        <p:spPr>
-          <a:xfrm>
-            <a:off x="7173642" y="782169"/>
-            <a:ext cx="1558207" cy="989074"/>
-          </a:xfrm>
-          <a:prstGeom prst="rect">
-            <a:avLst/>
-          </a:prstGeom>
-          <a:noFill/>
-          <a:ln>
-            <a:noFill/>
-          </a:ln>
-        </p:spPr>
-      </p:pic>
+        <p:txBody>
+          <a:bodyPr anchorCtr="0" anchor="t" bIns="91425" lIns="91425" rIns="91425" tIns="91425">
+            <a:noAutofit/>
+          </a:bodyPr>
+          <a:lstStyle/>
+          <a:p>
+            <a:pPr indent="-342900" lvl="0" marL="457200" rtl="0">
+              <a:lnSpc>
+                <a:spcPct val="150000"/>
+              </a:lnSpc>
+              <a:spcBef>
+                <a:spcPts val="0"/>
+              </a:spcBef>
+              <a:spcAft>
+                <a:spcPts val="1600"/>
+              </a:spcAft>
+              <a:buClr>
+                <a:schemeClr val="dk1"/>
+              </a:buClr>
+              <a:buSzPct val="100000"/>
+              <a:buFont typeface="Open Sans"/>
+              <a:buChar char="➔"/>
+            </a:pPr>
+            <a:r>
+              <a:rPr lang="en" sz="1800">
+                <a:solidFill>
+                  <a:schemeClr val="dk1"/>
+                </a:solidFill>
+                <a:latin typeface="Open Sans"/>
+                <a:ea typeface="Open Sans"/>
+                <a:cs typeface="Open Sans"/>
+                <a:sym typeface="Open Sans"/>
+              </a:rPr>
+              <a:t>PyVirtualDisplay</a:t>
+            </a:r>
+          </a:p>
+          <a:p>
+            <a:pPr indent="-342900" lvl="0" marL="457200" rtl="0">
+              <a:lnSpc>
+                <a:spcPct val="150000"/>
+              </a:lnSpc>
+              <a:spcBef>
+                <a:spcPts val="0"/>
+              </a:spcBef>
+              <a:spcAft>
+                <a:spcPts val="1600"/>
+              </a:spcAft>
+              <a:buClr>
+                <a:schemeClr val="dk1"/>
+              </a:buClr>
+              <a:buSzPct val="100000"/>
+              <a:buFont typeface="Open Sans"/>
+              <a:buChar char="➔"/>
+            </a:pPr>
+            <a:r>
+              <a:rPr lang="en" sz="1800">
+                <a:solidFill>
+                  <a:schemeClr val="dk1"/>
+                </a:solidFill>
+                <a:latin typeface="Open Sans"/>
+                <a:ea typeface="Open Sans"/>
+                <a:cs typeface="Open Sans"/>
+                <a:sym typeface="Open Sans"/>
+              </a:rPr>
+              <a:t>Python-MySQLDB</a:t>
+            </a:r>
+          </a:p>
+          <a:p>
+            <a:pPr indent="-342900" lvl="0" marL="457200" rtl="0">
+              <a:lnSpc>
+                <a:spcPct val="150000"/>
+              </a:lnSpc>
+              <a:spcBef>
+                <a:spcPts val="0"/>
+              </a:spcBef>
+              <a:spcAft>
+                <a:spcPts val="1600"/>
+              </a:spcAft>
+              <a:buClr>
+                <a:schemeClr val="dk1"/>
+              </a:buClr>
+              <a:buSzPct val="100000"/>
+              <a:buFont typeface="Open Sans"/>
+              <a:buChar char="➔"/>
+            </a:pPr>
+            <a:r>
+              <a:rPr lang="en" sz="1800">
+                <a:solidFill>
+                  <a:schemeClr val="dk1"/>
+                </a:solidFill>
+                <a:latin typeface="Open Sans"/>
+                <a:ea typeface="Open Sans"/>
+                <a:cs typeface="Open Sans"/>
+                <a:sym typeface="Open Sans"/>
+              </a:rPr>
+              <a:t>Vim</a:t>
+            </a:r>
+          </a:p>
+          <a:p>
+            <a:pPr indent="-342900" lvl="0" marL="457200" rtl="0">
+              <a:lnSpc>
+                <a:spcPct val="150000"/>
+              </a:lnSpc>
+              <a:spcBef>
+                <a:spcPts val="0"/>
+              </a:spcBef>
+              <a:spcAft>
+                <a:spcPts val="1600"/>
+              </a:spcAft>
+              <a:buClr>
+                <a:schemeClr val="dk1"/>
+              </a:buClr>
+              <a:buSzPct val="100000"/>
+              <a:buFont typeface="Open Sans"/>
+              <a:buChar char="➔"/>
+            </a:pPr>
+            <a:r>
+              <a:rPr lang="en" sz="1800">
+                <a:solidFill>
+                  <a:schemeClr val="dk1"/>
+                </a:solidFill>
+                <a:latin typeface="Open Sans"/>
+                <a:ea typeface="Open Sans"/>
+                <a:cs typeface="Open Sans"/>
+                <a:sym typeface="Open Sans"/>
+              </a:rPr>
+              <a:t>Sublime</a:t>
+            </a:r>
+          </a:p>
+          <a:p>
+            <a:pPr indent="-342900" lvl="0" marL="457200" rtl="0">
+              <a:lnSpc>
+                <a:spcPct val="150000"/>
+              </a:lnSpc>
+              <a:spcBef>
+                <a:spcPts val="0"/>
+              </a:spcBef>
+              <a:spcAft>
+                <a:spcPts val="1600"/>
+              </a:spcAft>
+              <a:buClr>
+                <a:schemeClr val="dk1"/>
+              </a:buClr>
+              <a:buSzPct val="100000"/>
+              <a:buFont typeface="Open Sans"/>
+              <a:buChar char="➔"/>
+            </a:pPr>
+            <a:r>
+              <a:rPr lang="en" sz="1800">
+                <a:solidFill>
+                  <a:schemeClr val="dk1"/>
+                </a:solidFill>
+                <a:latin typeface="Open Sans"/>
+                <a:ea typeface="Open Sans"/>
+                <a:cs typeface="Open Sans"/>
+                <a:sym typeface="Open Sans"/>
+              </a:rPr>
+              <a:t>Geany</a:t>
+            </a:r>
+          </a:p>
+          <a:p>
+            <a:pPr indent="-342900" lvl="0" marL="457200" rtl="0">
+              <a:lnSpc>
+                <a:spcPct val="150000"/>
+              </a:lnSpc>
+              <a:spcBef>
+                <a:spcPts val="0"/>
+              </a:spcBef>
+              <a:spcAft>
+                <a:spcPts val="1600"/>
+              </a:spcAft>
+              <a:buClr>
+                <a:schemeClr val="dk1"/>
+              </a:buClr>
+              <a:buSzPct val="100000"/>
+              <a:buFont typeface="Open Sans"/>
+              <a:buChar char="➔"/>
+            </a:pPr>
+            <a:r>
+              <a:rPr lang="en" sz="1800">
+                <a:solidFill>
+                  <a:schemeClr val="dk1"/>
+                </a:solidFill>
+                <a:latin typeface="Open Sans"/>
+                <a:ea typeface="Open Sans"/>
+                <a:cs typeface="Open Sans"/>
+                <a:sym typeface="Open Sans"/>
+              </a:rPr>
+              <a:t>Python UnitTest</a:t>
+            </a:r>
+          </a:p>
+          <a:p>
+            <a:pPr indent="-342900" lvl="0" marL="457200" rtl="0">
+              <a:lnSpc>
+                <a:spcPct val="150000"/>
+              </a:lnSpc>
+              <a:spcBef>
+                <a:spcPts val="0"/>
+              </a:spcBef>
+              <a:spcAft>
+                <a:spcPts val="1600"/>
+              </a:spcAft>
+              <a:buClr>
+                <a:schemeClr val="dk1"/>
+              </a:buClr>
+              <a:buSzPct val="100000"/>
+              <a:buFont typeface="Open Sans"/>
+              <a:buChar char="➔"/>
+            </a:pPr>
+            <a:r>
+              <a:rPr lang="en" sz="1800">
+                <a:solidFill>
+                  <a:schemeClr val="dk1"/>
+                </a:solidFill>
+                <a:latin typeface="Open Sans"/>
+                <a:ea typeface="Open Sans"/>
+                <a:cs typeface="Open Sans"/>
+                <a:sym typeface="Open Sans"/>
+              </a:rPr>
+              <a:t>PyDoc</a:t>
+            </a:r>
+          </a:p>
+          <a:p>
+            <a:pPr indent="-342900" lvl="0" marL="457200" rtl="0">
+              <a:lnSpc>
+                <a:spcPct val="150000"/>
+              </a:lnSpc>
+              <a:spcBef>
+                <a:spcPts val="0"/>
+              </a:spcBef>
+              <a:spcAft>
+                <a:spcPts val="1600"/>
+              </a:spcAft>
+              <a:buClr>
+                <a:schemeClr val="dk1"/>
+              </a:buClr>
+              <a:buSzPct val="100000"/>
+              <a:buFont typeface="Open Sans"/>
+              <a:buChar char="➔"/>
+            </a:pPr>
+            <a:r>
+              <a:rPr lang="en" sz="1800">
+                <a:solidFill>
+                  <a:schemeClr val="dk1"/>
+                </a:solidFill>
+                <a:latin typeface="Open Sans"/>
+                <a:ea typeface="Open Sans"/>
+                <a:cs typeface="Open Sans"/>
+                <a:sym typeface="Open Sans"/>
+              </a:rPr>
+              <a:t>Agile (3-person Version)</a:t>
+            </a:r>
+          </a:p>
+        </p:txBody>
+      </p:sp>
     </p:spTree>
   </p:cSld>
   <p:clrMapOvr>
@@ -7968,7 +8573,7 @@
   <p:cSld>
     <p:spTree>
       <p:nvGrpSpPr>
-        <p:cNvPr id="88" name="Shape 88"/>
+        <p:cNvPr id="85" name="Shape 85"/>
         <p:cNvGrpSpPr/>
         <p:nvPr/>
       </p:nvGrpSpPr>
@@ -7982,7 +8587,7 @@
       </p:grpSpPr>
       <p:sp>
         <p:nvSpPr>
-          <p:cNvPr id="89" name="Shape 89"/>
+          <p:cNvPr id="86" name="Shape 86"/>
           <p:cNvSpPr txBox="1"/>
           <p:nvPr>
             <p:ph type="title"/>
@@ -8011,14 +8616,14 @@
             </a:pPr>
             <a:r>
               <a:rPr lang="en" u="sng"/>
-              <a:t>WebServer</a:t>
+              <a:t>Version Control</a:t>
             </a:r>
           </a:p>
         </p:txBody>
       </p:sp>
       <p:sp>
         <p:nvSpPr>
-          <p:cNvPr id="90" name="Shape 90"/>
+          <p:cNvPr id="87" name="Shape 87"/>
           <p:cNvSpPr txBox="1"/>
           <p:nvPr>
             <p:ph idx="1" type="body"/>
@@ -8040,9 +8645,6 @@
           <a:lstStyle/>
           <a:p>
             <a:pPr rtl="0">
-              <a:lnSpc>
-                <a:spcPct val="100000"/>
-              </a:lnSpc>
               <a:spcBef>
                 <a:spcPts val="0"/>
               </a:spcBef>
@@ -8050,122 +8652,35 @@
             </a:pPr>
             <a:r>
               <a:rPr b="1" i="1" lang="en" sz="2400"/>
-              <a:t>Amazon Web Services</a:t>
-            </a:r>
-          </a:p>
-          <a:p>
-            <a:pPr indent="-355600" lvl="0" marL="457200" rtl="0">
-              <a:lnSpc>
-                <a:spcPct val="100000"/>
-              </a:lnSpc>
-              <a:spcBef>
-                <a:spcPts val="0"/>
-              </a:spcBef>
-              <a:buSzPct val="100000"/>
+              <a:t>GitHub</a:t>
+            </a:r>
+          </a:p>
+          <a:p>
+            <a:pPr indent="-228600" lvl="0" marL="457200" rtl="0">
+              <a:spcBef>
+                <a:spcPts val="0"/>
+              </a:spcBef>
               <a:buChar char="➔"/>
             </a:pPr>
             <a:r>
-              <a:rPr lang="en" sz="2000"/>
-              <a:t>Used to host our website.</a:t>
-            </a:r>
-          </a:p>
-          <a:p>
-            <a:pPr lvl="0" rtl="0">
-              <a:lnSpc>
-                <a:spcPct val="100000"/>
-              </a:lnSpc>
-              <a:spcBef>
-                <a:spcPts val="0"/>
-              </a:spcBef>
-              <a:buNone/>
-            </a:pPr>
-            <a:r>
-              <a:rPr lang="en" sz="2000" u="sng"/>
+              <a:rPr lang="en"/>
+              <a:t>Used to store and track software update. </a:t>
+            </a:r>
+          </a:p>
+          <a:p>
+            <a:pPr indent="0" marL="0">
+              <a:spcBef>
+                <a:spcPts val="0"/>
+              </a:spcBef>
+              <a:buNone/>
+            </a:pPr>
+            <a:r>
+              <a:rPr lang="en" u="sng"/>
               <a:t>Ranking:</a:t>
             </a:r>
             <a:r>
-              <a:rPr lang="en" sz="2000"/>
-              <a:t> </a:t>
-            </a:r>
-            <a:r>
-              <a:rPr lang="en" sz="2000">
-                <a:solidFill>
-                  <a:srgbClr val="333333"/>
-                </a:solidFill>
-                <a:highlight>
-                  <a:srgbClr val="FFFFFF"/>
-                </a:highlight>
-                <a:latin typeface="Arial"/>
-                <a:ea typeface="Arial"/>
-                <a:cs typeface="Arial"/>
-                <a:sym typeface="Arial"/>
-              </a:rPr>
-              <a:t>★★★★★ (Easy to use, helpful customer support) </a:t>
-            </a:r>
-          </a:p>
-          <a:p>
-            <a:pPr rtl="0">
-              <a:lnSpc>
-                <a:spcPct val="100000"/>
-              </a:lnSpc>
-              <a:spcBef>
-                <a:spcPts val="0"/>
-              </a:spcBef>
-              <a:buNone/>
-            </a:pPr>
-            <a:r>
-              <a:rPr b="1" i="1" lang="en" sz="2400"/>
-              <a:t>GoDaddy</a:t>
-            </a:r>
-          </a:p>
-          <a:p>
-            <a:pPr indent="-355600" lvl="0" marL="457200" rtl="0">
-              <a:lnSpc>
-                <a:spcPct val="100000"/>
-              </a:lnSpc>
-              <a:spcBef>
-                <a:spcPts val="0"/>
-              </a:spcBef>
-              <a:buSzPct val="100000"/>
-              <a:buChar char="➔"/>
-            </a:pPr>
-            <a:r>
-              <a:rPr lang="en" sz="2000"/>
-              <a:t>Used to purchase and use project domain name.</a:t>
-            </a:r>
-          </a:p>
-          <a:p>
-            <a:pPr>
-              <a:lnSpc>
-                <a:spcPct val="100000"/>
-              </a:lnSpc>
-              <a:spcBef>
-                <a:spcPts val="0"/>
-              </a:spcBef>
-              <a:buNone/>
-            </a:pPr>
-            <a:r>
-              <a:rPr lang="en" sz="2000" u="sng"/>
-              <a:t>Ranking:</a:t>
-            </a:r>
-            <a:r>
-              <a:rPr lang="en" sz="2000"/>
-              <a:t> </a:t>
-            </a:r>
-            <a:r>
-              <a:rPr lang="en" sz="2000">
-                <a:solidFill>
-                  <a:srgbClr val="333333"/>
-                </a:solidFill>
-                <a:highlight>
-                  <a:srgbClr val="FFFFFF"/>
-                </a:highlight>
-                <a:latin typeface="Arial"/>
-                <a:ea typeface="Arial"/>
-                <a:cs typeface="Arial"/>
-                <a:sym typeface="Arial"/>
-              </a:rPr>
-              <a:t>★★★★★ (Easy to use, simple to manage domain name and forwarding)</a:t>
+              <a:rPr lang="en"/>
+              <a:t>  </a:t>
             </a:r>
             <a:r>
               <a:rPr lang="en">
@@ -8180,14 +8695,14 @@
                 <a:cs typeface="Arial"/>
                 <a:sym typeface="Arial"/>
               </a:rPr>
-              <a:t> </a:t>
+              <a:t>★★★★★ (Easy to use, everyone was on the same page and 	                                      working on the same code)</a:t>
             </a:r>
           </a:p>
         </p:txBody>
       </p:sp>
       <p:pic>
         <p:nvPicPr>
-          <p:cNvPr id="91" name="Shape 91"/>
+          <p:cNvPr id="88" name="Shape 88"/>
           <p:cNvPicPr preferRelativeResize="0"/>
           <p:nvPr/>
         </p:nvPicPr>
@@ -8201,36 +8716,8 @@
         </p:blipFill>
         <p:spPr>
           <a:xfrm>
-            <a:off x="6580379" y="1225225"/>
-            <a:ext cx="2266209" cy="906473"/>
-          </a:xfrm>
-          <a:prstGeom prst="rect">
-            <a:avLst/>
-          </a:prstGeom>
-          <a:noFill/>
-          <a:ln>
-            <a:noFill/>
-          </a:ln>
-        </p:spPr>
-      </p:pic>
-      <p:pic>
-        <p:nvPicPr>
-          <p:cNvPr id="92" name="Shape 92"/>
-          <p:cNvPicPr preferRelativeResize="0"/>
-          <p:nvPr/>
-        </p:nvPicPr>
-        <p:blipFill>
-          <a:blip r:embed="rId4">
-            <a:alphaModFix/>
-          </a:blip>
-          <a:stretch>
-            <a:fillRect/>
-          </a:stretch>
-        </p:blipFill>
-        <p:spPr>
-          <a:xfrm>
-            <a:off x="6594671" y="2851720"/>
-            <a:ext cx="2237624" cy="906474"/>
+            <a:off x="6775250" y="200600"/>
+            <a:ext cx="2057049" cy="2057049"/>
           </a:xfrm>
           <a:prstGeom prst="rect">
             <a:avLst/>
@@ -8257,7 +8744,7 @@
   <p:cSld>
     <p:spTree>
       <p:nvGrpSpPr>
-        <p:cNvPr id="96" name="Shape 96"/>
+        <p:cNvPr id="92" name="Shape 92"/>
         <p:cNvGrpSpPr/>
         <p:nvPr/>
       </p:nvGrpSpPr>
@@ -8271,7 +8758,7 @@
       </p:grpSpPr>
       <p:sp>
         <p:nvSpPr>
-          <p:cNvPr id="97" name="Shape 97"/>
+          <p:cNvPr id="93" name="Shape 93"/>
           <p:cNvSpPr txBox="1"/>
           <p:nvPr>
             <p:ph type="title"/>
@@ -8300,14 +8787,14 @@
             </a:pPr>
             <a:r>
               <a:rPr lang="en" u="sng"/>
-              <a:t>Database</a:t>
+              <a:t>Communication</a:t>
             </a:r>
           </a:p>
         </p:txBody>
       </p:sp>
       <p:sp>
         <p:nvSpPr>
-          <p:cNvPr id="98" name="Shape 98"/>
+          <p:cNvPr id="94" name="Shape 94"/>
           <p:cNvSpPr txBox="1"/>
           <p:nvPr>
             <p:ph idx="1" type="body"/>
@@ -8339,7 +8826,7 @@
             </a:pPr>
             <a:r>
               <a:rPr b="1" i="1" lang="en" sz="2400"/>
-              <a:t>MySQL</a:t>
+              <a:t>Trello</a:t>
             </a:r>
           </a:p>
           <a:p>
@@ -8355,11 +8842,11 @@
             </a:pPr>
             <a:r>
               <a:rPr lang="en" sz="2000"/>
-              <a:t>Used to create two databases for storing scraped data and our project data.</a:t>
-            </a:r>
-          </a:p>
-          <a:p>
-            <a:pPr rtl="0">
+              <a:t>Used to track project progress and establish reasonable production goals.</a:t>
+            </a:r>
+          </a:p>
+          <a:p>
+            <a:pPr lvl="0" rtl="0">
               <a:lnSpc>
                 <a:spcPct val="100000"/>
               </a:lnSpc>
@@ -8389,26 +8876,79 @@
                 <a:cs typeface="Arial"/>
                 <a:sym typeface="Arial"/>
               </a:rPr>
-              <a:t>★★★ (Unclear when using keywords as variable names)</a:t>
+              <a:t>★★★★ (Difficult to figure out, at first)</a:t>
+            </a:r>
+          </a:p>
+          <a:p>
+            <a:pPr rtl="0">
+              <a:lnSpc>
+                <a:spcPct val="100000"/>
+              </a:lnSpc>
+              <a:spcBef>
+                <a:spcPts val="0"/>
+              </a:spcBef>
+              <a:buNone/>
+            </a:pPr>
+            <a:r>
+              <a:rPr b="1" i="1" lang="en" sz="2400"/>
+              <a:t>Slack</a:t>
+            </a:r>
+          </a:p>
+          <a:p>
+            <a:pPr indent="-355600" lvl="0" marL="457200" rtl="0">
+              <a:lnSpc>
+                <a:spcPct val="100000"/>
+              </a:lnSpc>
+              <a:spcBef>
+                <a:spcPts val="0"/>
+              </a:spcBef>
+              <a:buSzPct val="100000"/>
+              <a:buChar char="➔"/>
+            </a:pPr>
+            <a:r>
+              <a:rPr lang="en" sz="2000"/>
+              <a:t>Used to set up meeting times and share tutorial and helpful links.</a:t>
             </a:r>
           </a:p>
           <a:p>
             <a:pPr>
-              <a:spcBef>
-                <a:spcPts val="0"/>
-              </a:spcBef>
-              <a:buNone/>
-            </a:pPr>
-            <a:r>
-              <a:t/>
-            </a:r>
-            <a:endParaRPr/>
+              <a:lnSpc>
+                <a:spcPct val="100000"/>
+              </a:lnSpc>
+              <a:spcBef>
+                <a:spcPts val="0"/>
+              </a:spcBef>
+              <a:buNone/>
+            </a:pPr>
+            <a:r>
+              <a:rPr lang="en" sz="2000" u="sng"/>
+              <a:t>Ranking:</a:t>
+            </a:r>
+            <a:r>
+              <a:rPr lang="en" sz="2000"/>
+              <a:t> </a:t>
+            </a:r>
+            <a:r>
+              <a:rPr lang="en" sz="2000">
+                <a:solidFill>
+                  <a:srgbClr val="333333"/>
+                </a:solidFill>
+                <a:highlight>
+                  <a:srgbClr val="FFFFFF"/>
+                </a:highlight>
+                <a:latin typeface="Arial"/>
+                <a:ea typeface="Arial"/>
+                <a:cs typeface="Arial"/>
+                <a:sym typeface="Arial"/>
+              </a:rPr>
+              <a:t>★★★★ (Helpful for quick communication, doesn’t always notify)</a:t>
+            </a:r>
           </a:p>
         </p:txBody>
       </p:sp>
       <p:pic>
         <p:nvPicPr>
-          <p:cNvPr id="99" name="Shape 99"/>
+          <p:cNvPr id="95" name="Shape 95"/>
           <p:cNvPicPr preferRelativeResize="0"/>
           <p:nvPr/>
         </p:nvPicPr>
@@ -8422,8 +8962,36 @@
         </p:blipFill>
         <p:spPr>
           <a:xfrm>
-            <a:off x="6975150" y="315926"/>
-            <a:ext cx="1857150" cy="1256324"/>
+            <a:off x="7605175" y="2587575"/>
+            <a:ext cx="1126673" cy="1126673"/>
+          </a:xfrm>
+          <a:prstGeom prst="rect">
+            <a:avLst/>
+          </a:prstGeom>
+          <a:noFill/>
+          <a:ln>
+            <a:noFill/>
+          </a:ln>
+        </p:spPr>
+      </p:pic>
+      <p:pic>
+        <p:nvPicPr>
+          <p:cNvPr id="96" name="Shape 96"/>
+          <p:cNvPicPr preferRelativeResize="0"/>
+          <p:nvPr/>
+        </p:nvPicPr>
+        <p:blipFill>
+          <a:blip r:embed="rId4">
+            <a:alphaModFix/>
+          </a:blip>
+          <a:stretch>
+            <a:fillRect/>
+          </a:stretch>
+        </p:blipFill>
+        <p:spPr>
+          <a:xfrm>
+            <a:off x="7173642" y="782169"/>
+            <a:ext cx="1558207" cy="989074"/>
           </a:xfrm>
           <a:prstGeom prst="rect">
             <a:avLst/>
@@ -8450,7 +9018,7 @@
   <p:cSld>
     <p:spTree>
       <p:nvGrpSpPr>
-        <p:cNvPr id="103" name="Shape 103"/>
+        <p:cNvPr id="100" name="Shape 100"/>
         <p:cNvGrpSpPr/>
         <p:nvPr/>
       </p:nvGrpSpPr>
@@ -8464,7 +9032,7 @@
       </p:grpSpPr>
       <p:sp>
         <p:nvSpPr>
-          <p:cNvPr id="104" name="Shape 104"/>
+          <p:cNvPr id="101" name="Shape 101"/>
           <p:cNvSpPr txBox="1"/>
           <p:nvPr>
             <p:ph type="title"/>
@@ -8493,14 +9061,14 @@
             </a:pPr>
             <a:r>
               <a:rPr lang="en" u="sng"/>
-              <a:t>Web Scraper (1/2)</a:t>
+              <a:t>WebServer</a:t>
             </a:r>
           </a:p>
         </p:txBody>
       </p:sp>
       <p:sp>
         <p:nvSpPr>
-          <p:cNvPr id="105" name="Shape 105"/>
+          <p:cNvPr id="102" name="Shape 102"/>
           <p:cNvSpPr txBox="1"/>
           <p:nvPr>
             <p:ph idx="1" type="body"/>
@@ -8532,7 +9100,7 @@
             </a:pPr>
             <a:r>
               <a:rPr b="1" i="1" lang="en" sz="2400"/>
-              <a:t>Beautiful Soup</a:t>
+              <a:t>Amazon Web Services</a:t>
             </a:r>
           </a:p>
           <a:p>
@@ -8548,11 +9116,11 @@
             </a:pPr>
             <a:r>
               <a:rPr lang="en" sz="2000"/>
-              <a:t>Used to access data from our scraped websites.</a:t>
-            </a:r>
-          </a:p>
-          <a:p>
-            <a:pPr rtl="0">
+              <a:t>Used to host our website.</a:t>
+            </a:r>
+          </a:p>
+          <a:p>
+            <a:pPr lvl="0" rtl="0">
               <a:lnSpc>
                 <a:spcPct val="100000"/>
               </a:lnSpc>
@@ -8574,12 +9142,15 @@
                 <a:solidFill>
                   <a:srgbClr val="333333"/>
                 </a:solidFill>
+                <a:highlight>
+                  <a:srgbClr val="FFFFFF"/>
+                </a:highlight>
                 <a:latin typeface="Arial"/>
                 <a:ea typeface="Arial"/>
                 <a:cs typeface="Arial"/>
                 <a:sym typeface="Arial"/>
               </a:rPr>
-              <a:t>★★★★★ (Easy to use and useful for scraping)</a:t>
+              <a:t>★★★★★ (Easy to use, helpful customer support) </a:t>
             </a:r>
           </a:p>
           <a:p>
@@ -8594,7 +9165,7 @@
             </a:pPr>
             <a:r>
               <a:rPr b="1" i="1" lang="en" sz="2400"/>
-              <a:t>Selenium</a:t>
+              <a:t>GoDaddy</a:t>
             </a:r>
           </a:p>
           <a:p>
@@ -8610,7 +9181,7 @@
             </a:pPr>
             <a:r>
               <a:rPr lang="en" sz="2000"/>
-              <a:t>Used to pull down web pages.</a:t>
+              <a:t>Used to purchase and use project domain name.</a:t>
             </a:r>
           </a:p>
           <a:p>
@@ -8636,19 +9207,37 @@
                 <a:solidFill>
                   <a:srgbClr val="333333"/>
                 </a:solidFill>
+                <a:highlight>
+                  <a:srgbClr val="FFFFFF"/>
+                </a:highlight>
                 <a:latin typeface="Arial"/>
                 <a:ea typeface="Arial"/>
                 <a:cs typeface="Arial"/>
                 <a:sym typeface="Arial"/>
               </a:rPr>
-              <a:t>★★★★★ (Easy to use and effective)</a:t>
+              <a:t>★★★★★ (Easy to use, simple to manage domain name and forwarding)</a:t>
+            </a:r>
+            <a:r>
+              <a:rPr lang="en">
+                <a:solidFill>
+                  <a:srgbClr val="333333"/>
+                </a:solidFill>
+                <a:highlight>
+                  <a:srgbClr val="FFFFFF"/>
+                </a:highlight>
+                <a:latin typeface="Arial"/>
+                <a:ea typeface="Arial"/>
+                <a:cs typeface="Arial"/>
+                <a:sym typeface="Arial"/>
+              </a:rPr>
+              <a:t> </a:t>
             </a:r>
           </a:p>
         </p:txBody>
       </p:sp>
       <p:pic>
         <p:nvPicPr>
-          <p:cNvPr id="106" name="Shape 106"/>
+          <p:cNvPr id="103" name="Shape 103"/>
           <p:cNvPicPr preferRelativeResize="0"/>
           <p:nvPr/>
         </p:nvPicPr>
@@ -8662,8 +9251,8 @@
         </p:blipFill>
         <p:spPr>
           <a:xfrm>
-            <a:off x="7002600" y="315925"/>
-            <a:ext cx="1829700" cy="1829700"/>
+            <a:off x="6580379" y="1225225"/>
+            <a:ext cx="2266209" cy="906473"/>
           </a:xfrm>
           <a:prstGeom prst="rect">
             <a:avLst/>
@@ -8676,7 +9265,7 @@
       </p:pic>
       <p:pic>
         <p:nvPicPr>
-          <p:cNvPr id="107" name="Shape 107"/>
+          <p:cNvPr id="104" name="Shape 104"/>
           <p:cNvPicPr preferRelativeResize="0"/>
           <p:nvPr/>
         </p:nvPicPr>
@@ -8690,8 +9279,8 @@
         </p:blipFill>
         <p:spPr>
           <a:xfrm>
-            <a:off x="7274500" y="2644625"/>
-            <a:ext cx="1285875" cy="1162050"/>
+            <a:off x="6594671" y="2851720"/>
+            <a:ext cx="2237624" cy="906474"/>
           </a:xfrm>
           <a:prstGeom prst="rect">
             <a:avLst/>
@@ -8718,7 +9307,7 @@
   <p:cSld>
     <p:spTree>
       <p:nvGrpSpPr>
-        <p:cNvPr id="111" name="Shape 111"/>
+        <p:cNvPr id="108" name="Shape 108"/>
         <p:cNvGrpSpPr/>
         <p:nvPr/>
       </p:nvGrpSpPr>
@@ -8732,7 +9321,7 @@
       </p:grpSpPr>
       <p:sp>
         <p:nvSpPr>
-          <p:cNvPr id="112" name="Shape 112"/>
+          <p:cNvPr id="109" name="Shape 109"/>
           <p:cNvSpPr txBox="1"/>
           <p:nvPr>
             <p:ph type="title"/>
@@ -8753,7 +9342,7 @@
           </a:bodyPr>
           <a:lstStyle/>
           <a:p>
-            <a:pPr lvl="0" rtl="0">
+            <a:pPr>
               <a:spcBef>
                 <a:spcPts val="0"/>
               </a:spcBef>
@@ -8761,14 +9350,14 @@
             </a:pPr>
             <a:r>
               <a:rPr lang="en" u="sng"/>
-              <a:t>Web Scraper (2/2)</a:t>
+              <a:t>Database</a:t>
             </a:r>
           </a:p>
         </p:txBody>
       </p:sp>
       <p:sp>
         <p:nvSpPr>
-          <p:cNvPr id="113" name="Shape 113"/>
+          <p:cNvPr id="110" name="Shape 110"/>
           <p:cNvSpPr txBox="1"/>
           <p:nvPr>
             <p:ph idx="1" type="body"/>
@@ -8790,6 +9379,9 @@
           <a:lstStyle/>
           <a:p>
             <a:pPr rtl="0">
+              <a:lnSpc>
+                <a:spcPct val="100000"/>
+              </a:lnSpc>
               <a:spcBef>
                 <a:spcPts val="0"/>
               </a:spcBef>
@@ -8797,11 +9389,14 @@
             </a:pPr>
             <a:r>
               <a:rPr b="1" i="1" lang="en" sz="2400"/>
-              <a:t>PyVirtualDisplay</a:t>
+              <a:t>MySQL</a:t>
             </a:r>
           </a:p>
           <a:p>
             <a:pPr indent="-355600" lvl="0" marL="457200" rtl="0">
+              <a:lnSpc>
+                <a:spcPct val="100000"/>
+              </a:lnSpc>
               <a:spcBef>
                 <a:spcPts val="0"/>
               </a:spcBef>
@@ -8810,11 +9405,14 @@
             </a:pPr>
             <a:r>
               <a:rPr lang="en" sz="2000"/>
-              <a:t>Allows our program to open up a web page.</a:t>
-            </a:r>
-          </a:p>
-          <a:p>
-            <a:pPr lvl="0" rtl="0">
+              <a:t>Used to create two databases for storing scraped data and our project data.</a:t>
+            </a:r>
+          </a:p>
+          <a:p>
+            <a:pPr rtl="0">
+              <a:lnSpc>
+                <a:spcPct val="100000"/>
+              </a:lnSpc>
               <a:spcBef>
                 <a:spcPts val="0"/>
               </a:spcBef>
@@ -8833,72 +9431,34 @@
                 <a:solidFill>
                   <a:srgbClr val="333333"/>
                 </a:solidFill>
+                <a:highlight>
+                  <a:srgbClr val="FFFFFF"/>
+                </a:highlight>
                 <a:latin typeface="Arial"/>
                 <a:ea typeface="Arial"/>
                 <a:cs typeface="Arial"/>
                 <a:sym typeface="Arial"/>
               </a:rPr>
-              <a:t>★★★★★ (Easy to use and intuitive)</a:t>
-            </a:r>
-          </a:p>
-          <a:p>
-            <a:pPr rtl="0">
-              <a:spcBef>
-                <a:spcPts val="0"/>
-              </a:spcBef>
-              <a:buNone/>
-            </a:pPr>
-            <a:r>
-              <a:rPr b="1" i="1" lang="en" sz="2400"/>
-              <a:t>Python-MySQLDB</a:t>
-            </a:r>
-          </a:p>
-          <a:p>
-            <a:pPr indent="-355600" lvl="0" marL="457200" rtl="0">
-              <a:spcBef>
-                <a:spcPts val="0"/>
-              </a:spcBef>
-              <a:buSzPct val="100000"/>
-              <a:buChar char="➔"/>
-            </a:pPr>
-            <a:r>
-              <a:rPr lang="en" sz="2000"/>
-              <a:t>Used to allow Python to interface with MySQL DB and queries. </a:t>
-            </a:r>
-          </a:p>
-          <a:p>
-            <a:pPr lvl="0" rtl="0">
-              <a:spcBef>
-                <a:spcPts val="0"/>
-              </a:spcBef>
-              <a:buNone/>
-            </a:pPr>
-            <a:r>
-              <a:rPr lang="en" sz="2000" u="sng"/>
-              <a:t>Ranking:</a:t>
-            </a:r>
-            <a:r>
-              <a:rPr lang="en" sz="2000"/>
-              <a:t> </a:t>
-            </a:r>
-            <a:r>
-              <a:rPr lang="en" sz="2000">
-                <a:solidFill>
-                  <a:srgbClr val="333333"/>
-                </a:solidFill>
-                <a:latin typeface="Arial"/>
-                <a:ea typeface="Arial"/>
-                <a:cs typeface="Arial"/>
-                <a:sym typeface="Arial"/>
-              </a:rPr>
-              <a:t>★★★★ (Unintuitive syntax when using)</a:t>
-            </a:r>
+              <a:t>★★★ (Unclear when using keywords as variable names)</a:t>
+            </a:r>
+          </a:p>
+          <a:p>
+            <a:pPr>
+              <a:spcBef>
+                <a:spcPts val="0"/>
+              </a:spcBef>
+              <a:buNone/>
+            </a:pPr>
+            <a:r>
+              <a:t/>
+            </a:r>
+            <a:endParaRPr/>
           </a:p>
         </p:txBody>
       </p:sp>
       <p:pic>
         <p:nvPicPr>
-          <p:cNvPr id="114" name="Shape 114"/>
+          <p:cNvPr id="111" name="Shape 111"/>
           <p:cNvPicPr preferRelativeResize="0"/>
           <p:nvPr/>
         </p:nvPicPr>
@@ -8912,36 +9472,8 @@
         </p:blipFill>
         <p:spPr>
           <a:xfrm>
-            <a:off x="7387850" y="464400"/>
-            <a:ext cx="1444449" cy="1444449"/>
-          </a:xfrm>
-          <a:prstGeom prst="rect">
-            <a:avLst/>
-          </a:prstGeom>
-          <a:noFill/>
-          <a:ln>
-            <a:noFill/>
-          </a:ln>
-        </p:spPr>
-      </p:pic>
-      <p:pic>
-        <p:nvPicPr>
-          <p:cNvPr id="115" name="Shape 115"/>
-          <p:cNvPicPr preferRelativeResize="0"/>
-          <p:nvPr/>
-        </p:nvPicPr>
-        <p:blipFill>
-          <a:blip r:embed="rId4">
-            <a:alphaModFix/>
-          </a:blip>
-          <a:stretch>
-            <a:fillRect/>
-          </a:stretch>
-        </p:blipFill>
-        <p:spPr>
-          <a:xfrm>
-            <a:off x="6774175" y="2398875"/>
-            <a:ext cx="2058124" cy="1111374"/>
+            <a:off x="6975150" y="315926"/>
+            <a:ext cx="1857150" cy="1256324"/>
           </a:xfrm>
           <a:prstGeom prst="rect">
             <a:avLst/>
@@ -8968,7 +9500,7 @@
   <p:cSld>
     <p:spTree>
       <p:nvGrpSpPr>
-        <p:cNvPr id="119" name="Shape 119"/>
+        <p:cNvPr id="115" name="Shape 115"/>
         <p:cNvGrpSpPr/>
         <p:nvPr/>
       </p:nvGrpSpPr>
@@ -8982,7 +9514,7 @@
       </p:grpSpPr>
       <p:sp>
         <p:nvSpPr>
-          <p:cNvPr id="120" name="Shape 120"/>
+          <p:cNvPr id="116" name="Shape 116"/>
           <p:cNvSpPr txBox="1"/>
           <p:nvPr>
             <p:ph type="title"/>
@@ -9011,14 +9543,14 @@
             </a:pPr>
             <a:r>
               <a:rPr lang="en" u="sng"/>
-              <a:t>Development (1/2)</a:t>
+              <a:t>Web Scraper (1/2)</a:t>
             </a:r>
           </a:p>
         </p:txBody>
       </p:sp>
       <p:sp>
         <p:nvSpPr>
-          <p:cNvPr id="121" name="Shape 121"/>
+          <p:cNvPr id="117" name="Shape 117"/>
           <p:cNvSpPr txBox="1"/>
           <p:nvPr>
             <p:ph idx="1" type="body"/>
@@ -9039,24 +9571,25 @@
           </a:bodyPr>
           <a:lstStyle/>
           <a:p>
-            <a:pPr lvl="0" rtl="0">
-              <a:spcBef>
-                <a:spcPts val="0"/>
-              </a:spcBef>
-              <a:buClr>
-                <a:schemeClr val="dk1"/>
-              </a:buClr>
-              <a:buSzPct val="45833"/>
-              <a:buFont typeface="Arial"/>
+            <a:pPr rtl="0">
+              <a:lnSpc>
+                <a:spcPct val="100000"/>
+              </a:lnSpc>
+              <a:spcBef>
+                <a:spcPts val="0"/>
+              </a:spcBef>
               <a:buNone/>
             </a:pPr>
             <a:r>
               <a:rPr b="1" i="1" lang="en" sz="2400"/>
-              <a:t>Vim</a:t>
+              <a:t>Beautiful Soup</a:t>
             </a:r>
           </a:p>
           <a:p>
             <a:pPr indent="-355600" lvl="0" marL="457200" rtl="0">
+              <a:lnSpc>
+                <a:spcPct val="100000"/>
+              </a:lnSpc>
               <a:spcBef>
                 <a:spcPts val="0"/>
               </a:spcBef>
@@ -9065,11 +9598,14 @@
             </a:pPr>
             <a:r>
               <a:rPr lang="en" sz="2000"/>
-              <a:t>Used to edit code and make quick changes.</a:t>
-            </a:r>
-          </a:p>
-          <a:p>
-            <a:pPr lvl="0" rtl="0">
+              <a:t>Used to access data from our scraped websites.</a:t>
+            </a:r>
+          </a:p>
+          <a:p>
+            <a:pPr rtl="0">
+              <a:lnSpc>
+                <a:spcPct val="100000"/>
+              </a:lnSpc>
               <a:spcBef>
                 <a:spcPts val="0"/>
               </a:spcBef>
@@ -9093,11 +9629,14 @@
                 <a:cs typeface="Arial"/>
                 <a:sym typeface="Arial"/>
               </a:rPr>
-              <a:t>★★★★ (Difficult learning curve, but powerful)</a:t>
-            </a:r>
-          </a:p>
-          <a:p>
-            <a:pPr lvl="0" rtl="0">
+              <a:t>★★★★★ (Easy to use and useful for scraping)</a:t>
+            </a:r>
+          </a:p>
+          <a:p>
+            <a:pPr rtl="0">
+              <a:lnSpc>
+                <a:spcPct val="100000"/>
+              </a:lnSpc>
               <a:spcBef>
                 <a:spcPts val="0"/>
               </a:spcBef>
@@ -9105,11 +9644,14 @@
             </a:pPr>
             <a:r>
               <a:rPr b="1" i="1" lang="en" sz="2400"/>
-              <a:t>Sublime</a:t>
+              <a:t>Selenium</a:t>
             </a:r>
           </a:p>
           <a:p>
             <a:pPr indent="-355600" lvl="0" marL="457200" rtl="0">
+              <a:lnSpc>
+                <a:spcPct val="100000"/>
+              </a:lnSpc>
               <a:spcBef>
                 <a:spcPts val="0"/>
               </a:spcBef>
@@ -9118,19 +9660,17 @@
             </a:pPr>
             <a:r>
               <a:rPr lang="en" sz="2000"/>
-              <a:t>Used to edit multiple files at once.</a:t>
-            </a:r>
-          </a:p>
-          <a:p>
-            <a:pPr lvl="0" rtl="0">
-              <a:spcBef>
-                <a:spcPts val="0"/>
-              </a:spcBef>
-              <a:buClr>
-                <a:schemeClr val="dk1"/>
-              </a:buClr>
-              <a:buSzPct val="55000"/>
-              <a:buFont typeface="Arial"/>
+              <a:t>Used to pull down web pages.</a:t>
+            </a:r>
+          </a:p>
+          <a:p>
+            <a:pPr>
+              <a:lnSpc>
+                <a:spcPct val="100000"/>
+              </a:lnSpc>
+              <a:spcBef>
+                <a:spcPts val="0"/>
+              </a:spcBef>
               <a:buNone/>
             </a:pPr>
             <a:r>
@@ -9151,26 +9691,14 @@
                 <a:cs typeface="Arial"/>
                 <a:sym typeface="Arial"/>
               </a:rPr>
-              <a:t>★★★★★ (Easy to use)</a:t>
-            </a:r>
-          </a:p>
-          <a:p>
-            <a:pPr>
-              <a:spcBef>
-                <a:spcPts val="0"/>
-              </a:spcBef>
-              <a:buNone/>
-            </a:pPr>
-            <a:r>
-              <a:t/>
-            </a:r>
-            <a:endParaRPr/>
+              <a:t>★★★★★ (Easy to use and effective)</a:t>
+            </a:r>
           </a:p>
         </p:txBody>
       </p:sp>
       <p:pic>
         <p:nvPicPr>
-          <p:cNvPr id="122" name="Shape 122"/>
+          <p:cNvPr id="118" name="Shape 118"/>
           <p:cNvPicPr preferRelativeResize="0"/>
           <p:nvPr/>
         </p:nvPicPr>
@@ -9184,8 +9712,8 @@
         </p:blipFill>
         <p:spPr>
           <a:xfrm>
-            <a:off x="7248600" y="798875"/>
-            <a:ext cx="1583698" cy="1586826"/>
+            <a:off x="7002600" y="315925"/>
+            <a:ext cx="1829700" cy="1829700"/>
           </a:xfrm>
           <a:prstGeom prst="rect">
             <a:avLst/>
@@ -9198,7 +9726,7 @@
       </p:pic>
       <p:pic>
         <p:nvPicPr>
-          <p:cNvPr id="123" name="Shape 123"/>
+          <p:cNvPr id="119" name="Shape 119"/>
           <p:cNvPicPr preferRelativeResize="0"/>
           <p:nvPr/>
         </p:nvPicPr>
@@ -9212,8 +9740,8 @@
         </p:blipFill>
         <p:spPr>
           <a:xfrm>
-            <a:off x="7248600" y="2722650"/>
-            <a:ext cx="1583699" cy="1583699"/>
+            <a:off x="7274500" y="2644625"/>
+            <a:ext cx="1285875" cy="1162050"/>
           </a:xfrm>
           <a:prstGeom prst="rect">
             <a:avLst/>
@@ -9236,6 +9764,285 @@
 </file>
 
 <file path=ppt/theme/theme1.xml><?xml version="1.0" encoding="utf-8"?>
+<a:theme xmlns:a="http://schemas.openxmlformats.org/drawingml/2006/main" xmlns:r="http://schemas.openxmlformats.org/officeDocument/2006/relationships" name="Custom Theme">
+  <a:themeElements>
+    <a:clrScheme name="Default">
+      <a:dk1>
+        <a:srgbClr val="000000"/>
+      </a:dk1>
+      <a:lt1>
+        <a:srgbClr val="FFFFFF"/>
+      </a:lt1>
+      <a:dk2>
+        <a:srgbClr val="158158"/>
+      </a:dk2>
+      <a:lt2>
+        <a:srgbClr val="F3F3F3"/>
+      </a:lt2>
+      <a:accent1>
+        <a:srgbClr val="058DC7"/>
+      </a:accent1>
+      <a:accent2>
+        <a:srgbClr val="50B432"/>
+      </a:accent2>
+      <a:accent3>
+        <a:srgbClr val="ED561B"/>
+      </a:accent3>
+      <a:accent4>
+        <a:srgbClr val="EDEF00"/>
+      </a:accent4>
+      <a:accent5>
+        <a:srgbClr val="24CBE5"/>
+      </a:accent5>
+      <a:accent6>
+        <a:srgbClr val="64E572"/>
+      </a:accent6>
+      <a:hlink>
+        <a:srgbClr val="2200CC"/>
+      </a:hlink>
+      <a:folHlink>
+        <a:srgbClr val="551A8B"/>
+      </a:folHlink>
+    </a:clrScheme>
+    <a:fontScheme name="Office">
+      <a:majorFont>
+        <a:latin typeface="Arial"/>
+        <a:ea typeface=""/>
+        <a:cs typeface=""/>
+        <a:font script="Jpan" typeface="ＭＳ Ｐゴシック"/>
+        <a:font script="Hang" typeface="맑은 고딕"/>
+        <a:font script="Hans" typeface="宋体"/>
+        <a:font script="Hant" typeface="新細明體"/>
+        <a:font script="Arab" typeface="Times New Roman"/>
+        <a:font script="Hebr" typeface="Times New Roman"/>
+        <a:font script="Thai" typeface="Angsana New"/>
+        <a:font script="Ethi" typeface="Nyala"/>
+        <a:font script="Beng" typeface="Vrinda"/>
+        <a:font script="Gujr" typeface="Shruti"/>
+        <a:font script="Khmr" typeface="MoolBoran"/>
+        <a:font script="Knda" typeface="Tunga"/>
+        <a:font script="Guru" typeface="Raavi"/>
+        <a:font script="Cans" typeface="Euphemia"/>
+        <a:font script="Cher" typeface="Plantagenet Cherokee"/>
+        <a:font script="Yiii" typeface="Microsoft Yi Baiti"/>
+        <a:font script="Tibt" typeface="Microsoft Himalaya"/>
+        <a:font script="Thaa" typeface="MV Boli"/>
+        <a:font script="Deva" typeface="Mangal"/>
+        <a:font script="Telu" typeface="Gautami"/>
+        <a:font script="Taml" typeface="Latha"/>
+        <a:font script="Syrc" typeface="Estrangelo Edessa"/>
+        <a:font script="Orya" typeface="Kalinga"/>
+        <a:font script="Mlym" typeface="Kartika"/>
+        <a:font script="Laoo" typeface="DokChampa"/>
+        <a:font script="Sinh" typeface="Iskoola Pota"/>
+        <a:font script="Mong" typeface="Mongolian Baiti"/>
+        <a:font script="Viet" typeface="Times New Roman"/>
+        <a:font script="Uigh" typeface="Microsoft Uighur"/>
+        <a:font script="Geor" typeface="Sylfaen"/>
+      </a:majorFont>
+      <a:minorFont>
+        <a:latin typeface="Arial"/>
+        <a:ea typeface=""/>
+        <a:cs typeface=""/>
+        <a:font script="Jpan" typeface="ＭＳ Ｐゴシック"/>
+        <a:font script="Hang" typeface="맑은 고딕"/>
+        <a:font script="Hans" typeface="宋体"/>
+        <a:font script="Hant" typeface="新細明體"/>
+        <a:font script="Arab" typeface="Arial"/>
+        <a:font script="Hebr" typeface="Arial"/>
+        <a:font script="Thai" typeface="Cordia New"/>
+        <a:font script="Ethi" typeface="Nyala"/>
+        <a:font script="Beng" typeface="Vrinda"/>
+        <a:font script="Gujr" typeface="Shruti"/>
+        <a:font script="Khmr" typeface="DaunPenh"/>
+        <a:font script="Knda" typeface="Tunga"/>
+        <a:font script="Guru" typeface="Raavi"/>
+        <a:font script="Cans" typeface="Euphemia"/>
+        <a:font script="Cher" typeface="Plantagenet Cherokee"/>
+        <a:font script="Yiii" typeface="Microsoft Yi Baiti"/>
+        <a:font script="Tibt" typeface="Microsoft Himalaya"/>
+        <a:font script="Thaa" typeface="MV Boli"/>
+        <a:font script="Deva" typeface="Mangal"/>
+        <a:font script="Telu" typeface="Gautami"/>
+        <a:font script="Taml" typeface="Latha"/>
+        <a:font script="Syrc" typeface="Estrangelo Edessa"/>
+        <a:font script="Orya" typeface="Kalinga"/>
+        <a:font script="Mlym" typeface="Kartika"/>
+        <a:font script="Laoo" typeface="DokChampa"/>
+        <a:font script="Sinh" typeface="Iskoola Pota"/>
+        <a:font script="Mong" typeface="Mongolian Baiti"/>
+        <a:font script="Viet" typeface="Arial"/>
+        <a:font script="Uigh" typeface="Microsoft Uighur"/>
+        <a:font script="Geor" typeface="Sylfaen"/>
+      </a:minorFont>
+    </a:fontScheme>
+    <a:fmtScheme name="Office">
+      <a:fillStyleLst>
+        <a:solidFill>
+          <a:schemeClr val="phClr"/>
+        </a:solidFill>
+        <a:gradFill rotWithShape="1">
+          <a:gsLst>
+            <a:gs pos="0">
+              <a:schemeClr val="phClr">
+                <a:tint val="50000"/>
+                <a:satMod val="300000"/>
+              </a:schemeClr>
+            </a:gs>
+            <a:gs pos="35000">
+              <a:schemeClr val="phClr">
+                <a:tint val="37000"/>
+                <a:satMod val="300000"/>
+              </a:schemeClr>
+            </a:gs>
+            <a:gs pos="100000">
+              <a:schemeClr val="phClr">
+                <a:tint val="15000"/>
+                <a:satMod val="350000"/>
+              </a:schemeClr>
+            </a:gs>
+          </a:gsLst>
+          <a:lin ang="16200000" scaled="1"/>
+        </a:gradFill>
+        <a:gradFill rotWithShape="1">
+          <a:gsLst>
+            <a:gs pos="0">
+              <a:schemeClr val="phClr">
+                <a:tint val="100000"/>
+                <a:shade val="100000"/>
+                <a:satMod val="130000"/>
+              </a:schemeClr>
+            </a:gs>
+            <a:gs pos="100000">
+              <a:schemeClr val="phClr">
+                <a:tint val="50000"/>
+                <a:shade val="100000"/>
+                <a:satMod val="350000"/>
+              </a:schemeClr>
+            </a:gs>
+          </a:gsLst>
+          <a:lin ang="16200000" scaled="0"/>
+        </a:gradFill>
+      </a:fillStyleLst>
+      <a:lnStyleLst>
+        <a:ln w="9525" cap="flat" cmpd="sng" algn="ctr">
+          <a:solidFill>
+            <a:schemeClr val="phClr">
+              <a:shade val="95000"/>
+              <a:satMod val="105000"/>
+            </a:schemeClr>
+          </a:solidFill>
+          <a:prstDash val="solid"/>
+        </a:ln>
+        <a:ln w="25400" cap="flat" cmpd="sng" algn="ctr">
+          <a:solidFill>
+            <a:schemeClr val="phClr"/>
+          </a:solidFill>
+          <a:prstDash val="solid"/>
+        </a:ln>
+        <a:ln w="38100" cap="flat" cmpd="sng" algn="ctr">
+          <a:solidFill>
+            <a:schemeClr val="phClr"/>
+          </a:solidFill>
+          <a:prstDash val="solid"/>
+        </a:ln>
+      </a:lnStyleLst>
+      <a:effectStyleLst>
+        <a:effectStyle>
+          <a:effectLst>
+            <a:outerShdw blurRad="40000" dist="20000" dir="5400000" rotWithShape="0">
+              <a:srgbClr val="000000">
+                <a:alpha val="38000"/>
+              </a:srgbClr>
+            </a:outerShdw>
+          </a:effectLst>
+        </a:effectStyle>
+        <a:effectStyle>
+          <a:effectLst>
+            <a:outerShdw blurRad="40000" dist="23000" dir="5400000" rotWithShape="0">
+              <a:srgbClr val="000000">
+                <a:alpha val="35000"/>
+              </a:srgbClr>
+            </a:outerShdw>
+          </a:effectLst>
+        </a:effectStyle>
+        <a:effectStyle>
+          <a:effectLst>
+            <a:outerShdw blurRad="40000" dist="23000" dir="5400000" rotWithShape="0">
+              <a:srgbClr val="000000">
+                <a:alpha val="35000"/>
+              </a:srgbClr>
+            </a:outerShdw>
+          </a:effectLst>
+          <a:scene3d>
+            <a:camera prst="orthographicFront">
+              <a:rot lat="0" lon="0" rev="0"/>
+            </a:camera>
+            <a:lightRig rig="threePt" dir="t">
+              <a:rot lat="0" lon="0" rev="1200000"/>
+            </a:lightRig>
+          </a:scene3d>
+          <a:sp3d>
+            <a:bevelT w="63500" h="25400"/>
+          </a:sp3d>
+        </a:effectStyle>
+      </a:effectStyleLst>
+      <a:bgFillStyleLst>
+        <a:solidFill>
+          <a:schemeClr val="phClr"/>
+        </a:solidFill>
+        <a:gradFill rotWithShape="1">
+          <a:gsLst>
+            <a:gs pos="0">
+              <a:schemeClr val="phClr">
+                <a:tint val="40000"/>
+                <a:satMod val="350000"/>
+              </a:schemeClr>
+            </a:gs>
+            <a:gs pos="40000">
+              <a:schemeClr val="phClr">
+                <a:tint val="45000"/>
+                <a:shade val="99000"/>
+                <a:satMod val="350000"/>
+              </a:schemeClr>
+            </a:gs>
+            <a:gs pos="100000">
+              <a:schemeClr val="phClr">
+                <a:shade val="20000"/>
+                <a:satMod val="255000"/>
+              </a:schemeClr>
+            </a:gs>
+          </a:gsLst>
+          <a:path path="circle">
+            <a:fillToRect l="50000" t="-80000" r="50000" b="180000"/>
+          </a:path>
+        </a:gradFill>
+        <a:gradFill rotWithShape="1">
+          <a:gsLst>
+            <a:gs pos="0">
+              <a:schemeClr val="phClr">
+                <a:tint val="80000"/>
+                <a:satMod val="300000"/>
+              </a:schemeClr>
+            </a:gs>
+            <a:gs pos="100000">
+              <a:schemeClr val="phClr">
+                <a:shade val="30000"/>
+                <a:satMod val="200000"/>
+              </a:schemeClr>
+            </a:gs>
+          </a:gsLst>
+          <a:path path="circle">
+            <a:fillToRect l="50000" t="50000" r="50000" b="50000"/>
+          </a:path>
+        </a:gradFill>
+      </a:bgFillStyleLst>
+    </a:fmtScheme>
+  </a:themeElements>
+</a:theme>
+</file>
+
+<file path=ppt/theme/theme2.xml><?xml version="1.0" encoding="utf-8"?>
 <a:theme xmlns:a="http://schemas.openxmlformats.org/drawingml/2006/main" xmlns:r="http://schemas.openxmlformats.org/officeDocument/2006/relationships" name="luxe">
   <a:themeElements>
     <a:clrScheme name="Luxe">
@@ -9512,283 +10319,4 @@
     </a:fmtScheme>
   </a:themeElements>
 </a:theme>
-</file>
-
-<file path=ppt/theme/theme2.xml><?xml version="1.0" encoding="utf-8"?>
-<a:theme xmlns:a="http://schemas.openxmlformats.org/drawingml/2006/main" xmlns:r="http://schemas.openxmlformats.org/officeDocument/2006/relationships" name="Custom Theme">
-  <a:themeElements>
-    <a:clrScheme name="Default">
-      <a:dk1>
-        <a:srgbClr val="000000"/>
-      </a:dk1>
-      <a:lt1>
-        <a:srgbClr val="FFFFFF"/>
-      </a:lt1>
-      <a:dk2>
-        <a:srgbClr val="158158"/>
-      </a:dk2>
-      <a:lt2>
-        <a:srgbClr val="F3F3F3"/>
-      </a:lt2>
-      <a:accent1>
-        <a:srgbClr val="058DC7"/>
-      </a:accent1>
-      <a:accent2>
-        <a:srgbClr val="50B432"/>
-      </a:accent2>
-      <a:accent3>
-        <a:srgbClr val="ED561B"/>
-      </a:accent3>
-      <a:accent4>
-        <a:srgbClr val="EDEF00"/>
-      </a:accent4>
-      <a:accent5>
-        <a:srgbClr val="24CBE5"/>
-      </a:accent5>
-      <a:accent6>
-        <a:srgbClr val="64E572"/>
-      </a:accent6>
-      <a:hlink>
-        <a:srgbClr val="2200CC"/>
-      </a:hlink>
-      <a:folHlink>
-        <a:srgbClr val="551A8B"/>
-      </a:folHlink>
-    </a:clrScheme>
-    <a:fontScheme name="Office">
-      <a:majorFont>
-        <a:latin typeface="Arial"/>
-        <a:ea typeface=""/>
-        <a:cs typeface=""/>
-        <a:font script="Jpan" typeface="ＭＳ Ｐゴシック"/>
-        <a:font script="Hang" typeface="맑은 고딕"/>
-        <a:font script="Hans" typeface="宋体"/>
-        <a:font script="Hant" typeface="新細明體"/>
-        <a:font script="Arab" typeface="Times New Roman"/>
-        <a:font script="Hebr" typeface="Times New Roman"/>
-        <a:font script="Thai" typeface="Angsana New"/>
-        <a:font script="Ethi" typeface="Nyala"/>
-        <a:font script="Beng" typeface="Vrinda"/>
-        <a:font script="Gujr" typeface="Shruti"/>
-        <a:font script="Khmr" typeface="MoolBoran"/>
-        <a:font script="Knda" typeface="Tunga"/>
-        <a:font script="Guru" typeface="Raavi"/>
-        <a:font script="Cans" typeface="Euphemia"/>
-        <a:font script="Cher" typeface="Plantagenet Cherokee"/>
-        <a:font script="Yiii" typeface="Microsoft Yi Baiti"/>
-        <a:font script="Tibt" typeface="Microsoft Himalaya"/>
-        <a:font script="Thaa" typeface="MV Boli"/>
-        <a:font script="Deva" typeface="Mangal"/>
-        <a:font script="Telu" typeface="Gautami"/>
-        <a:font script="Taml" typeface="Latha"/>
-        <a:font script="Syrc" typeface="Estrangelo Edessa"/>
-        <a:font script="Orya" typeface="Kalinga"/>
-        <a:font script="Mlym" typeface="Kartika"/>
-        <a:font script="Laoo" typeface="DokChampa"/>
-        <a:font script="Sinh" typeface="Iskoola Pota"/>
-        <a:font script="Mong" typeface="Mongolian Baiti"/>
-        <a:font script="Viet" typeface="Times New Roman"/>
-        <a:font script="Uigh" typeface="Microsoft Uighur"/>
-        <a:font script="Geor" typeface="Sylfaen"/>
-      </a:majorFont>
-      <a:minorFont>
-        <a:latin typeface="Arial"/>
-        <a:ea typeface=""/>
-        <a:cs typeface=""/>
-        <a:font script="Jpan" typeface="ＭＳ Ｐゴシック"/>
-        <a:font script="Hang" typeface="맑은 고딕"/>
-        <a:font script="Hans" typeface="宋体"/>
-        <a:font script="Hant" typeface="新細明體"/>
-        <a:font script="Arab" typeface="Arial"/>
-        <a:font script="Hebr" typeface="Arial"/>
-        <a:font script="Thai" typeface="Cordia New"/>
-        <a:font script="Ethi" typeface="Nyala"/>
-        <a:font script="Beng" typeface="Vrinda"/>
-        <a:font script="Gujr" typeface="Shruti"/>
-        <a:font script="Khmr" typeface="DaunPenh"/>
-        <a:font script="Knda" typeface="Tunga"/>
-        <a:font script="Guru" typeface="Raavi"/>
-        <a:font script="Cans" typeface="Euphemia"/>
-        <a:font script="Cher" typeface="Plantagenet Cherokee"/>
-        <a:font script="Yiii" typeface="Microsoft Yi Baiti"/>
-        <a:font script="Tibt" typeface="Microsoft Himalaya"/>
-        <a:font script="Thaa" typeface="MV Boli"/>
-        <a:font script="Deva" typeface="Mangal"/>
-        <a:font script="Telu" typeface="Gautami"/>
-        <a:font script="Taml" typeface="Latha"/>
-        <a:font script="Syrc" typeface="Estrangelo Edessa"/>
-        <a:font script="Orya" typeface="Kalinga"/>
-        <a:font script="Mlym" typeface="Kartika"/>
-        <a:font script="Laoo" typeface="DokChampa"/>
-        <a:font script="Sinh" typeface="Iskoola Pota"/>
-        <a:font script="Mong" typeface="Mongolian Baiti"/>
-        <a:font script="Viet" typeface="Arial"/>
-        <a:font script="Uigh" typeface="Microsoft Uighur"/>
-        <a:font script="Geor" typeface="Sylfaen"/>
-      </a:minorFont>
-    </a:fontScheme>
-    <a:fmtScheme name="Office">
-      <a:fillStyleLst>
-        <a:solidFill>
-          <a:schemeClr val="phClr"/>
-        </a:solidFill>
-        <a:gradFill rotWithShape="1">
-          <a:gsLst>
-            <a:gs pos="0">
-              <a:schemeClr val="phClr">
-                <a:tint val="50000"/>
-                <a:satMod val="300000"/>
-              </a:schemeClr>
-            </a:gs>
-            <a:gs pos="35000">
-              <a:schemeClr val="phClr">
-                <a:tint val="37000"/>
-                <a:satMod val="300000"/>
-              </a:schemeClr>
-            </a:gs>
-            <a:gs pos="100000">
-              <a:schemeClr val="phClr">
-                <a:tint val="15000"/>
-                <a:satMod val="350000"/>
-              </a:schemeClr>
-            </a:gs>
-          </a:gsLst>
-          <a:lin ang="16200000" scaled="1"/>
-        </a:gradFill>
-        <a:gradFill rotWithShape="1">
-          <a:gsLst>
-            <a:gs pos="0">
-              <a:schemeClr val="phClr">
-                <a:tint val="100000"/>
-                <a:shade val="100000"/>
-                <a:satMod val="130000"/>
-              </a:schemeClr>
-            </a:gs>
-            <a:gs pos="100000">
-              <a:schemeClr val="phClr">
-                <a:tint val="50000"/>
-                <a:shade val="100000"/>
-                <a:satMod val="350000"/>
-              </a:schemeClr>
-            </a:gs>
-          </a:gsLst>
-          <a:lin ang="16200000" scaled="0"/>
-        </a:gradFill>
-      </a:fillStyleLst>
-      <a:lnStyleLst>
-        <a:ln w="9525" cap="flat" cmpd="sng" algn="ctr">
-          <a:solidFill>
-            <a:schemeClr val="phClr">
-              <a:shade val="95000"/>
-              <a:satMod val="105000"/>
-            </a:schemeClr>
-          </a:solidFill>
-          <a:prstDash val="solid"/>
-        </a:ln>
-        <a:ln w="25400" cap="flat" cmpd="sng" algn="ctr">
-          <a:solidFill>
-            <a:schemeClr val="phClr"/>
-          </a:solidFill>
-          <a:prstDash val="solid"/>
-        </a:ln>
-        <a:ln w="38100" cap="flat" cmpd="sng" algn="ctr">
-          <a:solidFill>
-            <a:schemeClr val="phClr"/>
-          </a:solidFill>
-          <a:prstDash val="solid"/>
-        </a:ln>
-      </a:lnStyleLst>
-      <a:effectStyleLst>
-        <a:effectStyle>
-          <a:effectLst>
-            <a:outerShdw blurRad="40000" dist="20000" dir="5400000" rotWithShape="0">
-              <a:srgbClr val="000000">
-                <a:alpha val="38000"/>
-              </a:srgbClr>
-            </a:outerShdw>
-          </a:effectLst>
-        </a:effectStyle>
-        <a:effectStyle>
-          <a:effectLst>
-            <a:outerShdw blurRad="40000" dist="23000" dir="5400000" rotWithShape="0">
-              <a:srgbClr val="000000">
-                <a:alpha val="35000"/>
-              </a:srgbClr>
-            </a:outerShdw>
-          </a:effectLst>
-        </a:effectStyle>
-        <a:effectStyle>
-          <a:effectLst>
-            <a:outerShdw blurRad="40000" dist="23000" dir="5400000" rotWithShape="0">
-              <a:srgbClr val="000000">
-                <a:alpha val="35000"/>
-              </a:srgbClr>
-            </a:outerShdw>
-          </a:effectLst>
-          <a:scene3d>
-            <a:camera prst="orthographicFront">
-              <a:rot lat="0" lon="0" rev="0"/>
-            </a:camera>
-            <a:lightRig rig="threePt" dir="t">
-              <a:rot lat="0" lon="0" rev="1200000"/>
-            </a:lightRig>
-          </a:scene3d>
-          <a:sp3d>
-            <a:bevelT w="63500" h="25400"/>
-          </a:sp3d>
-        </a:effectStyle>
-      </a:effectStyleLst>
-      <a:bgFillStyleLst>
-        <a:solidFill>
-          <a:schemeClr val="phClr"/>
-        </a:solidFill>
-        <a:gradFill rotWithShape="1">
-          <a:gsLst>
-            <a:gs pos="0">
-              <a:schemeClr val="phClr">
-                <a:tint val="40000"/>
-                <a:satMod val="350000"/>
-              </a:schemeClr>
-            </a:gs>
-            <a:gs pos="40000">
-              <a:schemeClr val="phClr">
-                <a:tint val="45000"/>
-                <a:shade val="99000"/>
-                <a:satMod val="350000"/>
-              </a:schemeClr>
-            </a:gs>
-            <a:gs pos="100000">
-              <a:schemeClr val="phClr">
-                <a:shade val="20000"/>
-                <a:satMod val="255000"/>
-              </a:schemeClr>
-            </a:gs>
-          </a:gsLst>
-          <a:path path="circle">
-            <a:fillToRect l="50000" t="-80000" r="50000" b="180000"/>
-          </a:path>
-        </a:gradFill>
-        <a:gradFill rotWithShape="1">
-          <a:gsLst>
-            <a:gs pos="0">
-              <a:schemeClr val="phClr">
-                <a:tint val="80000"/>
-                <a:satMod val="300000"/>
-              </a:schemeClr>
-            </a:gs>
-            <a:gs pos="100000">
-              <a:schemeClr val="phClr">
-                <a:shade val="30000"/>
-                <a:satMod val="200000"/>
-              </a:schemeClr>
-            </a:gs>
-          </a:gsLst>
-          <a:path path="circle">
-            <a:fillToRect l="50000" t="50000" r="50000" b="50000"/>
-          </a:path>
-        </a:gradFill>
-      </a:bgFillStyleLst>
-    </a:fmtScheme>
-  </a:themeElements>
-</a:theme>
 </file>